--- a/FUNDAMENTALS_OF_DEVOPS/UNIT 6 DEVOPS.pptx
+++ b/FUNDAMENTALS_OF_DEVOPS/UNIT 6 DEVOPS.pptx
@@ -156,7 +156,49 @@
       </a:defRPr>
     </a:lvl9pPr>
   </p:defaultTextStyle>
+  <p:extLst>
+    <p:ext uri="{EFAFB233-063F-42B5-8137-9DF3F51BA10A}">
+      <p15:sldGuideLst xmlns:p15="http://schemas.microsoft.com/office/powerpoint/2012/main"/>
+    </p:ext>
+  </p:extLst>
 </p:presentation>
+</file>
+
+<file path=ppt/revisionInfo.xml><?xml version="1.0" encoding="utf-8"?>
+<p1510:revInfo xmlns:a="http://schemas.openxmlformats.org/drawingml/2006/main" xmlns:r="http://schemas.openxmlformats.org/officeDocument/2006/relationships" xmlns:p1510="http://schemas.microsoft.com/office/powerpoint/2015/10/main">
+  <p1510:revLst>
+    <p1510:client id="{828C63D4-9DE1-42D7-9DD7-5131D99B738D}" v="3" dt="2023-12-04T16:56:28.196"/>
+  </p1510:revLst>
+</p1510:revInfo>
+</file>
+
+<file path=ppt/changesInfos/changesInfo1.xml><?xml version="1.0" encoding="utf-8"?>
+<pc:chgInfo xmlns:a="http://schemas.openxmlformats.org/drawingml/2006/main" xmlns:r="http://schemas.openxmlformats.org/officeDocument/2006/relationships" xmlns:ac="http://schemas.microsoft.com/office/drawing/2013/main/command" xmlns:pc="http://schemas.microsoft.com/office/powerpoint/2013/main/command">
+  <pc:docChgLst>
+    <pc:chgData name="Ayan Ruzdan" userId="281b3fb1-178d-4595-a67e-42f3d5782a4e" providerId="ADAL" clId="{828C63D4-9DE1-42D7-9DD7-5131D99B738D}"/>
+    <pc:docChg chg="modSld">
+      <pc:chgData name="Ayan Ruzdan" userId="281b3fb1-178d-4595-a67e-42f3d5782a4e" providerId="ADAL" clId="{828C63D4-9DE1-42D7-9DD7-5131D99B738D}" dt="2023-12-04T16:56:28.191" v="2" actId="14100"/>
+      <pc:docMkLst>
+        <pc:docMk/>
+      </pc:docMkLst>
+      <pc:sldChg chg="modSp">
+        <pc:chgData name="Ayan Ruzdan" userId="281b3fb1-178d-4595-a67e-42f3d5782a4e" providerId="ADAL" clId="{828C63D4-9DE1-42D7-9DD7-5131D99B738D}" dt="2023-12-04T16:56:28.191" v="2" actId="14100"/>
+        <pc:sldMkLst>
+          <pc:docMk/>
+          <pc:sldMk cId="497127203" sldId="290"/>
+        </pc:sldMkLst>
+        <pc:spChg chg="mod">
+          <ac:chgData name="Ayan Ruzdan" userId="281b3fb1-178d-4595-a67e-42f3d5782a4e" providerId="ADAL" clId="{828C63D4-9DE1-42D7-9DD7-5131D99B738D}" dt="2023-12-04T16:56:28.191" v="2" actId="14100"/>
+          <ac:spMkLst>
+            <pc:docMk/>
+            <pc:sldMk cId="497127203" sldId="290"/>
+            <ac:spMk id="3" creationId="{00000000-0000-0000-0000-000000000000}"/>
+          </ac:spMkLst>
+        </pc:spChg>
+      </pc:sldChg>
+    </pc:docChg>
+  </pc:docChgLst>
+</pc:chgInfo>
 </file>
 
 <file path=ppt/notesMasters/notesMaster1.xml><?xml version="1.0" encoding="utf-8"?>
@@ -241,7 +283,7 @@
           <a:p>
             <a:fld id="{F236DD6B-ECD7-43FB-A82C-25F97BC48DAD}" type="datetimeFigureOut">
               <a:rPr lang="en-US" smtClean="0"/>
-              <a:t>11/14/2023</a:t>
+              <a:t>12/4/2023</a:t>
             </a:fld>
             <a:endParaRPr lang="en-US"/>
           </a:p>
@@ -305,38 +347,37 @@
           <a:p>
             <a:pPr lvl="0"/>
             <a:r>
-              <a:rPr lang="en-US" smtClean="0"/>
+              <a:rPr lang="en-US"/>
               <a:t>Click to edit Master text styles</a:t>
             </a:r>
           </a:p>
           <a:p>
             <a:pPr lvl="1"/>
             <a:r>
-              <a:rPr lang="en-US" smtClean="0"/>
+              <a:rPr lang="en-US"/>
               <a:t>Second level</a:t>
             </a:r>
           </a:p>
           <a:p>
             <a:pPr lvl="2"/>
             <a:r>
-              <a:rPr lang="en-US" smtClean="0"/>
+              <a:rPr lang="en-US"/>
               <a:t>Third level</a:t>
             </a:r>
           </a:p>
           <a:p>
             <a:pPr lvl="3"/>
             <a:r>
-              <a:rPr lang="en-US" smtClean="0"/>
+              <a:rPr lang="en-US"/>
               <a:t>Fourth level</a:t>
             </a:r>
           </a:p>
           <a:p>
             <a:pPr lvl="4"/>
             <a:r>
-              <a:rPr lang="en-US" smtClean="0"/>
+              <a:rPr lang="en-US"/>
               <a:t>Fifth level</a:t>
             </a:r>
-            <a:endParaRPr lang="en-US"/>
           </a:p>
         </p:txBody>
       </p:sp>
@@ -635,10 +676,9 @@
           </a:lstStyle>
           <a:p>
             <a:r>
-              <a:rPr lang="en-US" smtClean="0"/>
+              <a:rPr lang="en-US"/>
               <a:t>Click to edit Master title style</a:t>
             </a:r>
-            <a:endParaRPr lang="en-US"/>
           </a:p>
         </p:txBody>
       </p:sp>
@@ -700,10 +740,9 @@
           </a:lstStyle>
           <a:p>
             <a:r>
-              <a:rPr lang="en-US" smtClean="0"/>
+              <a:rPr lang="en-US"/>
               <a:t>Click to edit Master subtitle style</a:t>
             </a:r>
-            <a:endParaRPr lang="en-US"/>
           </a:p>
         </p:txBody>
       </p:sp>
@@ -724,7 +763,7 @@
           <a:p>
             <a:fld id="{F36C8521-AF36-4636-9B59-A15A5946F682}" type="datetimeFigureOut">
               <a:rPr lang="en-US" smtClean="0"/>
-              <a:t>11/7/2023</a:t>
+              <a:t>12/4/2023</a:t>
             </a:fld>
             <a:endParaRPr lang="en-US"/>
           </a:p>
@@ -818,10 +857,9 @@
           <a:lstStyle/>
           <a:p>
             <a:r>
-              <a:rPr lang="en-US" smtClean="0"/>
+              <a:rPr lang="en-US"/>
               <a:t>Click to edit Master title style</a:t>
             </a:r>
-            <a:endParaRPr lang="en-US"/>
           </a:p>
         </p:txBody>
       </p:sp>
@@ -842,38 +880,37 @@
           <a:p>
             <a:pPr lvl="0"/>
             <a:r>
-              <a:rPr lang="en-US" smtClean="0"/>
+              <a:rPr lang="en-US"/>
               <a:t>Click to edit Master text styles</a:t>
             </a:r>
           </a:p>
           <a:p>
             <a:pPr lvl="1"/>
             <a:r>
-              <a:rPr lang="en-US" smtClean="0"/>
+              <a:rPr lang="en-US"/>
               <a:t>Second level</a:t>
             </a:r>
           </a:p>
           <a:p>
             <a:pPr lvl="2"/>
             <a:r>
-              <a:rPr lang="en-US" smtClean="0"/>
+              <a:rPr lang="en-US"/>
               <a:t>Third level</a:t>
             </a:r>
           </a:p>
           <a:p>
             <a:pPr lvl="3"/>
             <a:r>
-              <a:rPr lang="en-US" smtClean="0"/>
+              <a:rPr lang="en-US"/>
               <a:t>Fourth level</a:t>
             </a:r>
           </a:p>
           <a:p>
             <a:pPr lvl="4"/>
             <a:r>
-              <a:rPr lang="en-US" smtClean="0"/>
+              <a:rPr lang="en-US"/>
               <a:t>Fifth level</a:t>
             </a:r>
-            <a:endParaRPr lang="en-US"/>
           </a:p>
         </p:txBody>
       </p:sp>
@@ -894,7 +931,7 @@
           <a:p>
             <a:fld id="{F36C8521-AF36-4636-9B59-A15A5946F682}" type="datetimeFigureOut">
               <a:rPr lang="en-US" smtClean="0"/>
-              <a:t>11/7/2023</a:t>
+              <a:t>12/4/2023</a:t>
             </a:fld>
             <a:endParaRPr lang="en-US"/>
           </a:p>
@@ -993,10 +1030,9 @@
           <a:lstStyle/>
           <a:p>
             <a:r>
-              <a:rPr lang="en-US" smtClean="0"/>
+              <a:rPr lang="en-US"/>
               <a:t>Click to edit Master title style</a:t>
             </a:r>
-            <a:endParaRPr lang="en-US"/>
           </a:p>
         </p:txBody>
       </p:sp>
@@ -1022,38 +1058,37 @@
           <a:p>
             <a:pPr lvl="0"/>
             <a:r>
-              <a:rPr lang="en-US" smtClean="0"/>
+              <a:rPr lang="en-US"/>
               <a:t>Click to edit Master text styles</a:t>
             </a:r>
           </a:p>
           <a:p>
             <a:pPr lvl="1"/>
             <a:r>
-              <a:rPr lang="en-US" smtClean="0"/>
+              <a:rPr lang="en-US"/>
               <a:t>Second level</a:t>
             </a:r>
           </a:p>
           <a:p>
             <a:pPr lvl="2"/>
             <a:r>
-              <a:rPr lang="en-US" smtClean="0"/>
+              <a:rPr lang="en-US"/>
               <a:t>Third level</a:t>
             </a:r>
           </a:p>
           <a:p>
             <a:pPr lvl="3"/>
             <a:r>
-              <a:rPr lang="en-US" smtClean="0"/>
+              <a:rPr lang="en-US"/>
               <a:t>Fourth level</a:t>
             </a:r>
           </a:p>
           <a:p>
             <a:pPr lvl="4"/>
             <a:r>
-              <a:rPr lang="en-US" smtClean="0"/>
+              <a:rPr lang="en-US"/>
               <a:t>Fifth level</a:t>
             </a:r>
-            <a:endParaRPr lang="en-US"/>
           </a:p>
         </p:txBody>
       </p:sp>
@@ -1074,7 +1109,7 @@
           <a:p>
             <a:fld id="{F36C8521-AF36-4636-9B59-A15A5946F682}" type="datetimeFigureOut">
               <a:rPr lang="en-US" smtClean="0"/>
-              <a:t>11/7/2023</a:t>
+              <a:t>12/4/2023</a:t>
             </a:fld>
             <a:endParaRPr lang="en-US"/>
           </a:p>
@@ -1168,10 +1203,9 @@
           <a:lstStyle/>
           <a:p>
             <a:r>
-              <a:rPr lang="en-US" smtClean="0"/>
+              <a:rPr lang="en-US"/>
               <a:t>Click to edit Master title style</a:t>
             </a:r>
-            <a:endParaRPr lang="en-US"/>
           </a:p>
         </p:txBody>
       </p:sp>
@@ -1192,38 +1226,37 @@
           <a:p>
             <a:pPr lvl="0"/>
             <a:r>
-              <a:rPr lang="en-US" smtClean="0"/>
+              <a:rPr lang="en-US"/>
               <a:t>Click to edit Master text styles</a:t>
             </a:r>
           </a:p>
           <a:p>
             <a:pPr lvl="1"/>
             <a:r>
-              <a:rPr lang="en-US" smtClean="0"/>
+              <a:rPr lang="en-US"/>
               <a:t>Second level</a:t>
             </a:r>
           </a:p>
           <a:p>
             <a:pPr lvl="2"/>
             <a:r>
-              <a:rPr lang="en-US" smtClean="0"/>
+              <a:rPr lang="en-US"/>
               <a:t>Third level</a:t>
             </a:r>
           </a:p>
           <a:p>
             <a:pPr lvl="3"/>
             <a:r>
-              <a:rPr lang="en-US" smtClean="0"/>
+              <a:rPr lang="en-US"/>
               <a:t>Fourth level</a:t>
             </a:r>
           </a:p>
           <a:p>
             <a:pPr lvl="4"/>
             <a:r>
-              <a:rPr lang="en-US" smtClean="0"/>
+              <a:rPr lang="en-US"/>
               <a:t>Fifth level</a:t>
             </a:r>
-            <a:endParaRPr lang="en-US"/>
           </a:p>
         </p:txBody>
       </p:sp>
@@ -1244,7 +1277,7 @@
           <a:p>
             <a:fld id="{F36C8521-AF36-4636-9B59-A15A5946F682}" type="datetimeFigureOut">
               <a:rPr lang="en-US" smtClean="0"/>
-              <a:t>11/7/2023</a:t>
+              <a:t>12/4/2023</a:t>
             </a:fld>
             <a:endParaRPr lang="en-US"/>
           </a:p>
@@ -1347,10 +1380,9 @@
           </a:lstStyle>
           <a:p>
             <a:r>
-              <a:rPr lang="en-US" smtClean="0"/>
+              <a:rPr lang="en-US"/>
               <a:t>Click to edit Master title style</a:t>
             </a:r>
-            <a:endParaRPr lang="en-US"/>
           </a:p>
         </p:txBody>
       </p:sp>
@@ -1467,7 +1499,7 @@
           <a:p>
             <a:pPr lvl="0"/>
             <a:r>
-              <a:rPr lang="en-US" smtClean="0"/>
+              <a:rPr lang="en-US"/>
               <a:t>Click to edit Master text styles</a:t>
             </a:r>
           </a:p>
@@ -1490,7 +1522,7 @@
           <a:p>
             <a:fld id="{F36C8521-AF36-4636-9B59-A15A5946F682}" type="datetimeFigureOut">
               <a:rPr lang="en-US" smtClean="0"/>
-              <a:t>11/7/2023</a:t>
+              <a:t>12/4/2023</a:t>
             </a:fld>
             <a:endParaRPr lang="en-US"/>
           </a:p>
@@ -1584,10 +1616,9 @@
           <a:lstStyle/>
           <a:p>
             <a:r>
-              <a:rPr lang="en-US" smtClean="0"/>
+              <a:rPr lang="en-US"/>
               <a:t>Click to edit Master title style</a:t>
             </a:r>
-            <a:endParaRPr lang="en-US"/>
           </a:p>
         </p:txBody>
       </p:sp>
@@ -1613,38 +1644,37 @@
           <a:p>
             <a:pPr lvl="0"/>
             <a:r>
-              <a:rPr lang="en-US" smtClean="0"/>
+              <a:rPr lang="en-US"/>
               <a:t>Click to edit Master text styles</a:t>
             </a:r>
           </a:p>
           <a:p>
             <a:pPr lvl="1"/>
             <a:r>
-              <a:rPr lang="en-US" smtClean="0"/>
+              <a:rPr lang="en-US"/>
               <a:t>Second level</a:t>
             </a:r>
           </a:p>
           <a:p>
             <a:pPr lvl="2"/>
             <a:r>
-              <a:rPr lang="en-US" smtClean="0"/>
+              <a:rPr lang="en-US"/>
               <a:t>Third level</a:t>
             </a:r>
           </a:p>
           <a:p>
             <a:pPr lvl="3"/>
             <a:r>
-              <a:rPr lang="en-US" smtClean="0"/>
+              <a:rPr lang="en-US"/>
               <a:t>Fourth level</a:t>
             </a:r>
           </a:p>
           <a:p>
             <a:pPr lvl="4"/>
             <a:r>
-              <a:rPr lang="en-US" smtClean="0"/>
+              <a:rPr lang="en-US"/>
               <a:t>Fifth level</a:t>
             </a:r>
-            <a:endParaRPr lang="en-US"/>
           </a:p>
         </p:txBody>
       </p:sp>
@@ -1670,38 +1700,37 @@
           <a:p>
             <a:pPr lvl="0"/>
             <a:r>
-              <a:rPr lang="en-US" smtClean="0"/>
+              <a:rPr lang="en-US"/>
               <a:t>Click to edit Master text styles</a:t>
             </a:r>
           </a:p>
           <a:p>
             <a:pPr lvl="1"/>
             <a:r>
-              <a:rPr lang="en-US" smtClean="0"/>
+              <a:rPr lang="en-US"/>
               <a:t>Second level</a:t>
             </a:r>
           </a:p>
           <a:p>
             <a:pPr lvl="2"/>
             <a:r>
-              <a:rPr lang="en-US" smtClean="0"/>
+              <a:rPr lang="en-US"/>
               <a:t>Third level</a:t>
             </a:r>
           </a:p>
           <a:p>
             <a:pPr lvl="3"/>
             <a:r>
-              <a:rPr lang="en-US" smtClean="0"/>
+              <a:rPr lang="en-US"/>
               <a:t>Fourth level</a:t>
             </a:r>
           </a:p>
           <a:p>
             <a:pPr lvl="4"/>
             <a:r>
-              <a:rPr lang="en-US" smtClean="0"/>
+              <a:rPr lang="en-US"/>
               <a:t>Fifth level</a:t>
             </a:r>
-            <a:endParaRPr lang="en-US"/>
           </a:p>
         </p:txBody>
       </p:sp>
@@ -1722,7 +1751,7 @@
           <a:p>
             <a:fld id="{F36C8521-AF36-4636-9B59-A15A5946F682}" type="datetimeFigureOut">
               <a:rPr lang="en-US" smtClean="0"/>
-              <a:t>11/7/2023</a:t>
+              <a:t>12/4/2023</a:t>
             </a:fld>
             <a:endParaRPr lang="en-US"/>
           </a:p>
@@ -1821,10 +1850,9 @@
           <a:lstStyle/>
           <a:p>
             <a:r>
-              <a:rPr lang="en-US" smtClean="0"/>
+              <a:rPr lang="en-US"/>
               <a:t>Click to edit Master title style</a:t>
             </a:r>
-            <a:endParaRPr lang="en-US"/>
           </a:p>
         </p:txBody>
       </p:sp>
@@ -1887,7 +1915,7 @@
           <a:p>
             <a:pPr lvl="0"/>
             <a:r>
-              <a:rPr lang="en-US" smtClean="0"/>
+              <a:rPr lang="en-US"/>
               <a:t>Click to edit Master text styles</a:t>
             </a:r>
           </a:p>
@@ -1915,38 +1943,37 @@
           <a:p>
             <a:pPr lvl="0"/>
             <a:r>
-              <a:rPr lang="en-US" smtClean="0"/>
+              <a:rPr lang="en-US"/>
               <a:t>Click to edit Master text styles</a:t>
             </a:r>
           </a:p>
           <a:p>
             <a:pPr lvl="1"/>
             <a:r>
-              <a:rPr lang="en-US" smtClean="0"/>
+              <a:rPr lang="en-US"/>
               <a:t>Second level</a:t>
             </a:r>
           </a:p>
           <a:p>
             <a:pPr lvl="2"/>
             <a:r>
-              <a:rPr lang="en-US" smtClean="0"/>
+              <a:rPr lang="en-US"/>
               <a:t>Third level</a:t>
             </a:r>
           </a:p>
           <a:p>
             <a:pPr lvl="3"/>
             <a:r>
-              <a:rPr lang="en-US" smtClean="0"/>
+              <a:rPr lang="en-US"/>
               <a:t>Fourth level</a:t>
             </a:r>
           </a:p>
           <a:p>
             <a:pPr lvl="4"/>
             <a:r>
-              <a:rPr lang="en-US" smtClean="0"/>
+              <a:rPr lang="en-US"/>
               <a:t>Fifth level</a:t>
             </a:r>
-            <a:endParaRPr lang="en-US"/>
           </a:p>
         </p:txBody>
       </p:sp>
@@ -2009,7 +2036,7 @@
           <a:p>
             <a:pPr lvl="0"/>
             <a:r>
-              <a:rPr lang="en-US" smtClean="0"/>
+              <a:rPr lang="en-US"/>
               <a:t>Click to edit Master text styles</a:t>
             </a:r>
           </a:p>
@@ -2037,38 +2064,37 @@
           <a:p>
             <a:pPr lvl="0"/>
             <a:r>
-              <a:rPr lang="en-US" smtClean="0"/>
+              <a:rPr lang="en-US"/>
               <a:t>Click to edit Master text styles</a:t>
             </a:r>
           </a:p>
           <a:p>
             <a:pPr lvl="1"/>
             <a:r>
-              <a:rPr lang="en-US" smtClean="0"/>
+              <a:rPr lang="en-US"/>
               <a:t>Second level</a:t>
             </a:r>
           </a:p>
           <a:p>
             <a:pPr lvl="2"/>
             <a:r>
-              <a:rPr lang="en-US" smtClean="0"/>
+              <a:rPr lang="en-US"/>
               <a:t>Third level</a:t>
             </a:r>
           </a:p>
           <a:p>
             <a:pPr lvl="3"/>
             <a:r>
-              <a:rPr lang="en-US" smtClean="0"/>
+              <a:rPr lang="en-US"/>
               <a:t>Fourth level</a:t>
             </a:r>
           </a:p>
           <a:p>
             <a:pPr lvl="4"/>
             <a:r>
-              <a:rPr lang="en-US" smtClean="0"/>
+              <a:rPr lang="en-US"/>
               <a:t>Fifth level</a:t>
             </a:r>
-            <a:endParaRPr lang="en-US"/>
           </a:p>
         </p:txBody>
       </p:sp>
@@ -2089,7 +2115,7 @@
           <a:p>
             <a:fld id="{F36C8521-AF36-4636-9B59-A15A5946F682}" type="datetimeFigureOut">
               <a:rPr lang="en-US" smtClean="0"/>
-              <a:t>11/7/2023</a:t>
+              <a:t>12/4/2023</a:t>
             </a:fld>
             <a:endParaRPr lang="en-US"/>
           </a:p>
@@ -2183,10 +2209,9 @@
           <a:lstStyle/>
           <a:p>
             <a:r>
-              <a:rPr lang="en-US" smtClean="0"/>
+              <a:rPr lang="en-US"/>
               <a:t>Click to edit Master title style</a:t>
             </a:r>
-            <a:endParaRPr lang="en-US"/>
           </a:p>
         </p:txBody>
       </p:sp>
@@ -2207,7 +2232,7 @@
           <a:p>
             <a:fld id="{F36C8521-AF36-4636-9B59-A15A5946F682}" type="datetimeFigureOut">
               <a:rPr lang="en-US" smtClean="0"/>
-              <a:t>11/7/2023</a:t>
+              <a:t>12/4/2023</a:t>
             </a:fld>
             <a:endParaRPr lang="en-US"/>
           </a:p>
@@ -2302,7 +2327,7 @@
           <a:p>
             <a:fld id="{F36C8521-AF36-4636-9B59-A15A5946F682}" type="datetimeFigureOut">
               <a:rPr lang="en-US" smtClean="0"/>
-              <a:t>11/7/2023</a:t>
+              <a:t>12/4/2023</a:t>
             </a:fld>
             <a:endParaRPr lang="en-US"/>
           </a:p>
@@ -2405,10 +2430,9 @@
           </a:lstStyle>
           <a:p>
             <a:r>
-              <a:rPr lang="en-US" smtClean="0"/>
+              <a:rPr lang="en-US"/>
               <a:t>Click to edit Master title style</a:t>
             </a:r>
-            <a:endParaRPr lang="en-US"/>
           </a:p>
         </p:txBody>
       </p:sp>
@@ -2462,38 +2486,37 @@
           <a:p>
             <a:pPr lvl="0"/>
             <a:r>
-              <a:rPr lang="en-US" smtClean="0"/>
+              <a:rPr lang="en-US"/>
               <a:t>Click to edit Master text styles</a:t>
             </a:r>
           </a:p>
           <a:p>
             <a:pPr lvl="1"/>
             <a:r>
-              <a:rPr lang="en-US" smtClean="0"/>
+              <a:rPr lang="en-US"/>
               <a:t>Second level</a:t>
             </a:r>
           </a:p>
           <a:p>
             <a:pPr lvl="2"/>
             <a:r>
-              <a:rPr lang="en-US" smtClean="0"/>
+              <a:rPr lang="en-US"/>
               <a:t>Third level</a:t>
             </a:r>
           </a:p>
           <a:p>
             <a:pPr lvl="3"/>
             <a:r>
-              <a:rPr lang="en-US" smtClean="0"/>
+              <a:rPr lang="en-US"/>
               <a:t>Fourth level</a:t>
             </a:r>
           </a:p>
           <a:p>
             <a:pPr lvl="4"/>
             <a:r>
-              <a:rPr lang="en-US" smtClean="0"/>
+              <a:rPr lang="en-US"/>
               <a:t>Fifth level</a:t>
             </a:r>
-            <a:endParaRPr lang="en-US"/>
           </a:p>
         </p:txBody>
       </p:sp>
@@ -2556,7 +2579,7 @@
           <a:p>
             <a:pPr lvl="0"/>
             <a:r>
-              <a:rPr lang="en-US" smtClean="0"/>
+              <a:rPr lang="en-US"/>
               <a:t>Click to edit Master text styles</a:t>
             </a:r>
           </a:p>
@@ -2579,7 +2602,7 @@
           <a:p>
             <a:fld id="{F36C8521-AF36-4636-9B59-A15A5946F682}" type="datetimeFigureOut">
               <a:rPr lang="en-US" smtClean="0"/>
-              <a:t>11/7/2023</a:t>
+              <a:t>12/4/2023</a:t>
             </a:fld>
             <a:endParaRPr lang="en-US"/>
           </a:p>
@@ -2682,10 +2705,9 @@
           </a:lstStyle>
           <a:p>
             <a:r>
-              <a:rPr lang="en-US" smtClean="0"/>
+              <a:rPr lang="en-US"/>
               <a:t>Click to edit Master title style</a:t>
             </a:r>
-            <a:endParaRPr lang="en-US"/>
           </a:p>
         </p:txBody>
       </p:sp>
@@ -2809,7 +2831,7 @@
           <a:p>
             <a:pPr lvl="0"/>
             <a:r>
-              <a:rPr lang="en-US" smtClean="0"/>
+              <a:rPr lang="en-US"/>
               <a:t>Click to edit Master text styles</a:t>
             </a:r>
           </a:p>
@@ -2832,7 +2854,7 @@
           <a:p>
             <a:fld id="{F36C8521-AF36-4636-9B59-A15A5946F682}" type="datetimeFigureOut">
               <a:rPr lang="en-US" smtClean="0"/>
-              <a:t>11/7/2023</a:t>
+              <a:t>12/4/2023</a:t>
             </a:fld>
             <a:endParaRPr lang="en-US"/>
           </a:p>
@@ -2941,10 +2963,9 @@
           <a:lstStyle/>
           <a:p>
             <a:r>
-              <a:rPr lang="en-US" smtClean="0"/>
+              <a:rPr lang="en-US"/>
               <a:t>Click to edit Master title style</a:t>
             </a:r>
-            <a:endParaRPr lang="en-US"/>
           </a:p>
         </p:txBody>
       </p:sp>
@@ -2975,38 +2996,37 @@
           <a:p>
             <a:pPr lvl="0"/>
             <a:r>
-              <a:rPr lang="en-US" smtClean="0"/>
+              <a:rPr lang="en-US"/>
               <a:t>Click to edit Master text styles</a:t>
             </a:r>
           </a:p>
           <a:p>
             <a:pPr lvl="1"/>
             <a:r>
-              <a:rPr lang="en-US" smtClean="0"/>
+              <a:rPr lang="en-US"/>
               <a:t>Second level</a:t>
             </a:r>
           </a:p>
           <a:p>
             <a:pPr lvl="2"/>
             <a:r>
-              <a:rPr lang="en-US" smtClean="0"/>
+              <a:rPr lang="en-US"/>
               <a:t>Third level</a:t>
             </a:r>
           </a:p>
           <a:p>
             <a:pPr lvl="3"/>
             <a:r>
-              <a:rPr lang="en-US" smtClean="0"/>
+              <a:rPr lang="en-US"/>
               <a:t>Fourth level</a:t>
             </a:r>
           </a:p>
           <a:p>
             <a:pPr lvl="4"/>
             <a:r>
-              <a:rPr lang="en-US" smtClean="0"/>
+              <a:rPr lang="en-US"/>
               <a:t>Fifth level</a:t>
             </a:r>
-            <a:endParaRPr lang="en-US"/>
           </a:p>
         </p:txBody>
       </p:sp>
@@ -3045,7 +3065,7 @@
           <a:p>
             <a:fld id="{F36C8521-AF36-4636-9B59-A15A5946F682}" type="datetimeFigureOut">
               <a:rPr lang="en-US" smtClean="0"/>
-              <a:t>11/7/2023</a:t>
+              <a:t>12/4/2023</a:t>
             </a:fld>
             <a:endParaRPr lang="en-US"/>
           </a:p>
@@ -3474,10 +3494,9 @@
           <a:p>
             <a:pPr algn="ctr"/>
             <a:r>
-              <a:rPr lang="en-US" sz="3200" dirty="0" smtClean="0"/>
+              <a:rPr lang="en-US" sz="3200" dirty="0"/>
               <a:t>UNIT 6</a:t>
             </a:r>
-            <a:endParaRPr lang="en-US" sz="3200" dirty="0"/>
           </a:p>
         </p:txBody>
       </p:sp>
@@ -3562,13 +3581,6 @@
   <p:clrMapOvr>
     <a:masterClrMapping/>
   </p:clrMapOvr>
-  <p:timing>
-    <p:tnLst>
-      <p:par>
-        <p:cTn id="1" dur="indefinite" restart="never" nodeType="tmRoot"/>
-      </p:par>
-    </p:tnLst>
-  </p:timing>
 </p:sld>
 </file>
 
@@ -3611,7 +3623,7 @@
           <a:lstStyle/>
           <a:p>
             <a:r>
-              <a:rPr lang="en-US" b="0" i="0" dirty="0" smtClean="0">
+              <a:rPr lang="en-US" b="0" i="0" dirty="0">
                 <a:solidFill>
                   <a:srgbClr val="404040"/>
                 </a:solidFill>
@@ -3621,7 +3633,7 @@
               <a:t>Enter </a:t>
             </a:r>
             <a:r>
-              <a:rPr lang="en-US" b="1" i="0" dirty="0" smtClean="0">
+              <a:rPr lang="en-US" b="1" i="0" dirty="0">
                 <a:solidFill>
                   <a:srgbClr val="404040"/>
                 </a:solidFill>
@@ -3631,7 +3643,7 @@
               <a:t>MAVEN_HOME</a:t>
             </a:r>
             <a:r>
-              <a:rPr lang="en-US" b="0" i="0" dirty="0" smtClean="0">
+              <a:rPr lang="en-US" b="0" i="0" dirty="0">
                 <a:solidFill>
                   <a:srgbClr val="404040"/>
                 </a:solidFill>
@@ -3641,7 +3653,7 @@
               <a:t> as the variable name and the path to the Maven directory as the variable value. Click </a:t>
             </a:r>
             <a:r>
-              <a:rPr lang="en-US" b="1" i="0" dirty="0" smtClean="0">
+              <a:rPr lang="en-US" b="1" i="0" dirty="0">
                 <a:solidFill>
                   <a:srgbClr val="404040"/>
                 </a:solidFill>
@@ -3651,7 +3663,7 @@
               <a:t>OK</a:t>
             </a:r>
             <a:r>
-              <a:rPr lang="en-US" b="0" i="0" dirty="0" smtClean="0">
+              <a:rPr lang="en-US" b="0" i="0" dirty="0">
                 <a:solidFill>
                   <a:srgbClr val="404040"/>
                 </a:solidFill>
@@ -3662,18 +3674,8 @@
             </a:r>
           </a:p>
           <a:p>
-            <a:r>
-              <a:rPr lang="en-US" b="0" i="0" dirty="0" smtClean="0">
-                <a:solidFill>
-                  <a:srgbClr val="404040"/>
-                </a:solidFill>
-                <a:effectLst/>
-                <a:latin typeface="roboto"/>
-              </a:rPr>
-              <a:t/>
-            </a:r>
             <a:br>
-              <a:rPr lang="en-US" b="0" i="0" dirty="0" smtClean="0">
+              <a:rPr lang="en-US" b="0" i="0" dirty="0">
                 <a:solidFill>
                   <a:srgbClr val="404040"/>
                 </a:solidFill>
@@ -3695,13 +3697,6 @@
   <p:clrMapOvr>
     <a:masterClrMapping/>
   </p:clrMapOvr>
-  <p:timing>
-    <p:tnLst>
-      <p:par>
-        <p:cTn id="1" dur="indefinite" restart="never" nodeType="tmRoot"/>
-      </p:par>
-    </p:tnLst>
-  </p:timing>
 </p:sld>
 </file>
 
@@ -3773,13 +3768,6 @@
   <p:clrMapOvr>
     <a:masterClrMapping/>
   </p:clrMapOvr>
-  <p:timing>
-    <p:tnLst>
-      <p:par>
-        <p:cTn id="1" dur="indefinite" restart="never" nodeType="tmRoot"/>
-      </p:par>
-    </p:tnLst>
-  </p:timing>
 </p:sld>
 </file>
 
@@ -3822,7 +3810,7 @@
           <a:lstStyle/>
           <a:p>
             <a:r>
-              <a:rPr lang="en-US" b="1" i="0" dirty="0" smtClean="0">
+              <a:rPr lang="en-US" b="1" i="0" dirty="0">
                 <a:solidFill>
                   <a:srgbClr val="000000"/>
                 </a:solidFill>
@@ -3834,7 +3822,7 @@
           </a:p>
           <a:p>
             <a:r>
-              <a:rPr lang="en-US" b="0" i="0" dirty="0" smtClean="0">
+              <a:rPr lang="en-US" b="0" i="0" dirty="0">
                 <a:solidFill>
                   <a:srgbClr val="404040"/>
                 </a:solidFill>
@@ -3844,7 +3832,7 @@
               <a:t>1. Select the </a:t>
             </a:r>
             <a:r>
-              <a:rPr lang="en-US" b="1" i="0" dirty="0" smtClean="0">
+              <a:rPr lang="en-US" b="1" i="0" dirty="0">
                 <a:solidFill>
                   <a:srgbClr val="404040"/>
                 </a:solidFill>
@@ -3854,7 +3842,7 @@
               <a:t>Path</a:t>
             </a:r>
             <a:r>
-              <a:rPr lang="en-US" b="0" i="0" dirty="0" smtClean="0">
+              <a:rPr lang="en-US" b="0" i="0" dirty="0">
                 <a:solidFill>
                   <a:srgbClr val="404040"/>
                 </a:solidFill>
@@ -3864,7 +3852,7 @@
               <a:t> variable under the </a:t>
             </a:r>
             <a:r>
-              <a:rPr lang="en-US" b="0" i="1" dirty="0" smtClean="0">
+              <a:rPr lang="en-US" b="0" i="1" dirty="0">
                 <a:solidFill>
                   <a:srgbClr val="404040"/>
                 </a:solidFill>
@@ -3874,7 +3862,7 @@
               <a:t>System variables</a:t>
             </a:r>
             <a:r>
-              <a:rPr lang="en-US" b="0" i="0" dirty="0" smtClean="0">
+              <a:rPr lang="en-US" b="0" i="0" dirty="0">
                 <a:solidFill>
                   <a:srgbClr val="404040"/>
                 </a:solidFill>
@@ -3884,7 +3872,7 @@
               <a:t> section in the </a:t>
             </a:r>
             <a:r>
-              <a:rPr lang="en-US" b="0" i="1" dirty="0" smtClean="0">
+              <a:rPr lang="en-US" b="0" i="1" dirty="0">
                 <a:solidFill>
                   <a:srgbClr val="404040"/>
                 </a:solidFill>
@@ -3894,7 +3882,7 @@
               <a:t>Environment Variables</a:t>
             </a:r>
             <a:r>
-              <a:rPr lang="en-US" b="0" i="0" dirty="0" smtClean="0">
+              <a:rPr lang="en-US" b="0" i="0" dirty="0">
                 <a:solidFill>
                   <a:srgbClr val="404040"/>
                 </a:solidFill>
@@ -3904,7 +3892,7 @@
               <a:t> window. Click the </a:t>
             </a:r>
             <a:r>
-              <a:rPr lang="en-US" b="1" i="0" dirty="0" smtClean="0">
+              <a:rPr lang="en-US" b="1" i="0" dirty="0">
                 <a:solidFill>
                   <a:srgbClr val="404040"/>
                 </a:solidFill>
@@ -3914,7 +3902,7 @@
               <a:t>Edit</a:t>
             </a:r>
             <a:r>
-              <a:rPr lang="en-US" b="0" i="0" dirty="0" smtClean="0">
+              <a:rPr lang="en-US" b="0" i="0" dirty="0">
                 <a:solidFill>
                   <a:srgbClr val="404040"/>
                 </a:solidFill>
@@ -3923,13 +3911,6 @@
               </a:rPr>
               <a:t> button to edit the variable.</a:t>
             </a:r>
-            <a:endParaRPr lang="en-US" b="0" i="0" dirty="0">
-              <a:solidFill>
-                <a:srgbClr val="404040"/>
-              </a:solidFill>
-              <a:effectLst/>
-              <a:latin typeface="roboto"/>
-            </a:endParaRPr>
           </a:p>
         </p:txBody>
       </p:sp>
@@ -3943,13 +3924,6 @@
   <p:clrMapOvr>
     <a:masterClrMapping/>
   </p:clrMapOvr>
-  <p:timing>
-    <p:tnLst>
-      <p:par>
-        <p:cTn id="1" dur="indefinite" restart="never" nodeType="tmRoot"/>
-      </p:par>
-    </p:tnLst>
-  </p:timing>
 </p:sld>
 </file>
 
@@ -4021,13 +3995,6 @@
   <p:clrMapOvr>
     <a:masterClrMapping/>
   </p:clrMapOvr>
-  <p:timing>
-    <p:tnLst>
-      <p:par>
-        <p:cTn id="1" dur="indefinite" restart="never" nodeType="tmRoot"/>
-      </p:par>
-    </p:tnLst>
-  </p:timing>
 </p:sld>
 </file>
 
@@ -4070,7 +4037,7 @@
           <a:lstStyle/>
           <a:p>
             <a:r>
-              <a:rPr lang="en-US" b="0" i="0" dirty="0" smtClean="0">
+              <a:rPr lang="en-US" b="0" i="0" dirty="0">
                 <a:solidFill>
                   <a:srgbClr val="404040"/>
                 </a:solidFill>
@@ -4080,7 +4047,7 @@
               <a:t>2. Click the </a:t>
             </a:r>
             <a:r>
-              <a:rPr lang="en-US" b="1" i="0" dirty="0" smtClean="0">
+              <a:rPr lang="en-US" b="1" i="0" dirty="0">
                 <a:solidFill>
                   <a:srgbClr val="404040"/>
                 </a:solidFill>
@@ -4090,7 +4057,7 @@
               <a:t>New</a:t>
             </a:r>
             <a:r>
-              <a:rPr lang="en-US" b="0" i="0" dirty="0" smtClean="0">
+              <a:rPr lang="en-US" b="0" i="0" dirty="0">
                 <a:solidFill>
                   <a:srgbClr val="404040"/>
                 </a:solidFill>
@@ -4100,7 +4067,7 @@
               <a:t> button in the </a:t>
             </a:r>
             <a:r>
-              <a:rPr lang="en-US" b="0" i="1" dirty="0" smtClean="0">
+              <a:rPr lang="en-US" b="0" i="1" dirty="0">
                 <a:solidFill>
                   <a:srgbClr val="404040"/>
                 </a:solidFill>
@@ -4110,7 +4077,7 @@
               <a:t>Edit environment variable</a:t>
             </a:r>
             <a:r>
-              <a:rPr lang="en-US" b="0" i="0" dirty="0" smtClean="0">
+              <a:rPr lang="en-US" b="0" i="0" dirty="0">
                 <a:solidFill>
                   <a:srgbClr val="404040"/>
                 </a:solidFill>
@@ -4121,18 +4088,8 @@
             </a:r>
           </a:p>
           <a:p>
-            <a:r>
-              <a:rPr lang="en-US" b="0" i="0" dirty="0" smtClean="0">
-                <a:solidFill>
-                  <a:srgbClr val="404040"/>
-                </a:solidFill>
-                <a:effectLst/>
-                <a:latin typeface="roboto"/>
-              </a:rPr>
-              <a:t/>
-            </a:r>
             <a:br>
-              <a:rPr lang="en-US" b="0" i="0" dirty="0" smtClean="0">
+              <a:rPr lang="en-US" b="0" i="0" dirty="0">
                 <a:solidFill>
                   <a:srgbClr val="404040"/>
                 </a:solidFill>
@@ -4154,13 +4111,6 @@
   <p:clrMapOvr>
     <a:masterClrMapping/>
   </p:clrMapOvr>
-  <p:timing>
-    <p:tnLst>
-      <p:par>
-        <p:cTn id="1" dur="indefinite" restart="never" nodeType="tmRoot"/>
-      </p:par>
-    </p:tnLst>
-  </p:timing>
 </p:sld>
 </file>
 
@@ -4232,13 +4182,6 @@
   <p:clrMapOvr>
     <a:masterClrMapping/>
   </p:clrMapOvr>
-  <p:timing>
-    <p:tnLst>
-      <p:par>
-        <p:cTn id="1" dur="indefinite" restart="never" nodeType="tmRoot"/>
-      </p:par>
-    </p:tnLst>
-  </p:timing>
 </p:sld>
 </file>
 
@@ -4281,7 +4224,7 @@
           <a:lstStyle/>
           <a:p>
             <a:r>
-              <a:rPr lang="en-US" b="0" i="0" dirty="0" smtClean="0">
+              <a:rPr lang="en-US" b="0" i="0" dirty="0">
                 <a:solidFill>
                   <a:srgbClr val="404040"/>
                 </a:solidFill>
@@ -4291,7 +4234,7 @@
               <a:t>3. Enter </a:t>
             </a:r>
             <a:r>
-              <a:rPr lang="en-US" b="1" i="0" dirty="0" smtClean="0">
+              <a:rPr lang="en-US" b="1" i="0" dirty="0">
                 <a:solidFill>
                   <a:srgbClr val="404040"/>
                 </a:solidFill>
@@ -4301,7 +4244,7 @@
               <a:t>%MAVEN_HOME%\bin</a:t>
             </a:r>
             <a:r>
-              <a:rPr lang="en-US" b="0" i="0" dirty="0" smtClean="0">
+              <a:rPr lang="en-US" b="0" i="0" dirty="0">
                 <a:solidFill>
                   <a:srgbClr val="404040"/>
                 </a:solidFill>
@@ -4311,7 +4254,7 @@
               <a:t> in the new field. Click </a:t>
             </a:r>
             <a:r>
-              <a:rPr lang="en-US" b="1" i="0" dirty="0" smtClean="0">
+              <a:rPr lang="en-US" b="1" i="0" dirty="0">
                 <a:solidFill>
                   <a:srgbClr val="404040"/>
                 </a:solidFill>
@@ -4321,7 +4264,7 @@
               <a:t>OK</a:t>
             </a:r>
             <a:r>
-              <a:rPr lang="en-US" b="0" i="0" dirty="0" smtClean="0">
+              <a:rPr lang="en-US" b="0" i="0" dirty="0">
                 <a:solidFill>
                   <a:srgbClr val="404040"/>
                 </a:solidFill>
@@ -4331,7 +4274,7 @@
               <a:t> to save changes to the </a:t>
             </a:r>
             <a:r>
-              <a:rPr lang="en-US" b="1" i="0" dirty="0" smtClean="0">
+              <a:rPr lang="en-US" b="1" i="0" dirty="0">
                 <a:solidFill>
                   <a:srgbClr val="404040"/>
                 </a:solidFill>
@@ -4341,7 +4284,7 @@
               <a:t>Path</a:t>
             </a:r>
             <a:r>
-              <a:rPr lang="en-US" b="0" i="0" dirty="0" smtClean="0">
+              <a:rPr lang="en-US" b="0" i="0" dirty="0">
                 <a:solidFill>
                   <a:srgbClr val="404040"/>
                 </a:solidFill>
@@ -4352,18 +4295,8 @@
             </a:r>
           </a:p>
           <a:p>
-            <a:r>
-              <a:rPr lang="en-US" b="0" i="0" dirty="0" smtClean="0">
-                <a:solidFill>
-                  <a:srgbClr val="404040"/>
-                </a:solidFill>
-                <a:effectLst/>
-                <a:latin typeface="roboto"/>
-              </a:rPr>
-              <a:t/>
-            </a:r>
             <a:br>
-              <a:rPr lang="en-US" b="0" i="0" dirty="0" smtClean="0">
+              <a:rPr lang="en-US" b="0" i="0" dirty="0">
                 <a:solidFill>
                   <a:srgbClr val="404040"/>
                 </a:solidFill>
@@ -4385,13 +4318,6 @@
   <p:clrMapOvr>
     <a:masterClrMapping/>
   </p:clrMapOvr>
-  <p:timing>
-    <p:tnLst>
-      <p:par>
-        <p:cTn id="1" dur="indefinite" restart="never" nodeType="tmRoot"/>
-      </p:par>
-    </p:tnLst>
-  </p:timing>
 </p:sld>
 </file>
 
@@ -4463,13 +4389,6 @@
   <p:clrMapOvr>
     <a:masterClrMapping/>
   </p:clrMapOvr>
-  <p:timing>
-    <p:tnLst>
-      <p:par>
-        <p:cTn id="1" dur="indefinite" restart="never" nodeType="tmRoot"/>
-      </p:par>
-    </p:tnLst>
-  </p:timing>
 </p:sld>
 </file>
 
@@ -4693,7 +4612,7 @@
               <a:tabLst/>
             </a:pPr>
             <a:r>
-              <a:rPr kumimoji="0" lang="en-US" altLang="en-US" sz="1200" b="0" i="0" u="none" strike="noStrike" cap="none" normalizeH="0" baseline="0" smtClean="0">
+              <a:rPr kumimoji="0" lang="en-US" altLang="en-US" sz="1200" b="0" i="0" u="none" strike="noStrike" cap="none" normalizeH="0" baseline="0">
                 <a:ln>
                   <a:noFill/>
                 </a:ln>
@@ -4706,7 +4625,7 @@
               <a:t>Click </a:t>
             </a:r>
             <a:r>
-              <a:rPr kumimoji="0" lang="en-US" altLang="en-US" sz="1200" b="1" i="0" u="none" strike="noStrike" cap="none" normalizeH="0" baseline="0" smtClean="0">
+              <a:rPr kumimoji="0" lang="en-US" altLang="en-US" sz="1200" b="1" i="0" u="none" strike="noStrike" cap="none" normalizeH="0" baseline="0">
                 <a:ln>
                   <a:noFill/>
                 </a:ln>
@@ -4719,7 +4638,7 @@
               <a:t>OK</a:t>
             </a:r>
             <a:r>
-              <a:rPr kumimoji="0" lang="en-US" altLang="en-US" sz="1200" b="0" i="0" u="none" strike="noStrike" cap="none" normalizeH="0" baseline="0" smtClean="0">
+              <a:rPr kumimoji="0" lang="en-US" altLang="en-US" sz="1200" b="0" i="0" u="none" strike="noStrike" cap="none" normalizeH="0" baseline="0">
                 <a:ln>
                   <a:noFill/>
                 </a:ln>
@@ -4732,7 +4651,7 @@
               <a:t> in the </a:t>
             </a:r>
             <a:r>
-              <a:rPr kumimoji="0" lang="en-US" altLang="en-US" sz="1200" b="0" i="1" u="none" strike="noStrike" cap="none" normalizeH="0" baseline="0" smtClean="0">
+              <a:rPr kumimoji="0" lang="en-US" altLang="en-US" sz="1200" b="0" i="1" u="none" strike="noStrike" cap="none" normalizeH="0" baseline="0">
                 <a:ln>
                   <a:noFill/>
                 </a:ln>
@@ -4745,7 +4664,7 @@
               <a:t>Environment Variables</a:t>
             </a:r>
             <a:r>
-              <a:rPr kumimoji="0" lang="en-US" altLang="en-US" sz="1200" b="0" i="0" u="none" strike="noStrike" cap="none" normalizeH="0" baseline="0" smtClean="0">
+              <a:rPr kumimoji="0" lang="en-US" altLang="en-US" sz="1200" b="0" i="0" u="none" strike="noStrike" cap="none" normalizeH="0" baseline="0">
                 <a:ln>
                   <a:noFill/>
                 </a:ln>
@@ -4757,7 +4676,7 @@
               </a:rPr>
               <a:t> window to save the changes to the system variables.</a:t>
             </a:r>
-            <a:endParaRPr kumimoji="0" lang="en-US" altLang="en-US" sz="800" b="0" i="0" u="none" strike="noStrike" cap="none" normalizeH="0" baseline="0" smtClean="0">
+            <a:endParaRPr kumimoji="0" lang="en-US" altLang="en-US" sz="800" b="0" i="0" u="none" strike="noStrike" cap="none" normalizeH="0" baseline="0">
               <a:ln>
                 <a:noFill/>
               </a:ln>
@@ -4785,7 +4704,7 @@
               <a:tabLst/>
             </a:pPr>
             <a:r>
-              <a:rPr kumimoji="0" lang="en-US" altLang="en-US" sz="1200" b="0" i="0" u="none" strike="noStrike" cap="none" normalizeH="0" baseline="0" smtClean="0">
+              <a:rPr kumimoji="0" lang="en-US" altLang="en-US" sz="1200" b="0" i="0" u="none" strike="noStrike" cap="none" normalizeH="0" baseline="0">
                 <a:ln>
                   <a:noFill/>
                 </a:ln>
@@ -4797,7 +4716,7 @@
               </a:rPr>
               <a:t>  </a:t>
             </a:r>
-            <a:endParaRPr kumimoji="0" lang="en-US" altLang="en-US" sz="35100" b="0" i="0" u="none" strike="noStrike" cap="none" normalizeH="0" baseline="0" smtClean="0">
+            <a:endParaRPr kumimoji="0" lang="en-US" altLang="en-US" sz="35100" b="0" i="0" u="none" strike="noStrike" cap="none" normalizeH="0" baseline="0">
               <a:ln>
                 <a:noFill/>
               </a:ln>
@@ -4861,13 +4780,6 @@
   <p:clrMapOvr>
     <a:masterClrMapping/>
   </p:clrMapOvr>
-  <p:timing>
-    <p:tnLst>
-      <p:par>
-        <p:cTn id="1" dur="indefinite" restart="never" nodeType="tmRoot"/>
-      </p:par>
-    </p:tnLst>
-  </p:timing>
 </p:sld>
 </file>
 
@@ -4910,7 +4822,7 @@
           <a:lstStyle/>
           <a:p>
             <a:r>
-              <a:rPr lang="en-US" b="1" i="0" dirty="0" smtClean="0">
+              <a:rPr lang="en-US" b="1" i="0" dirty="0">
                 <a:solidFill>
                   <a:srgbClr val="404040"/>
                 </a:solidFill>
@@ -4926,7 +4838,7 @@
               <a:buChar char="•"/>
             </a:pPr>
             <a:r>
-              <a:rPr lang="en-US" b="0" i="0" dirty="0" smtClean="0">
+              <a:rPr lang="en-US" b="0" i="0" dirty="0">
                 <a:solidFill>
                   <a:srgbClr val="404040"/>
                 </a:solidFill>
@@ -4942,7 +4854,7 @@
               <a:buChar char="•"/>
             </a:pPr>
             <a:r>
-              <a:rPr lang="en-US" b="0" i="0" dirty="0" smtClean="0">
+              <a:rPr lang="en-US" b="0" i="0" dirty="0">
                 <a:solidFill>
                   <a:srgbClr val="404040"/>
                 </a:solidFill>
@@ -4958,7 +4870,7 @@
               <a:buChar char="•"/>
             </a:pPr>
             <a:r>
-              <a:rPr lang="en-US" b="0" i="0" dirty="0" smtClean="0">
+              <a:rPr lang="en-US" b="0" i="0" dirty="0">
                 <a:solidFill>
                   <a:srgbClr val="404040"/>
                 </a:solidFill>
@@ -4974,7 +4886,7 @@
               <a:buChar char="•"/>
             </a:pPr>
             <a:r>
-              <a:rPr lang="en-US" b="0" i="0" dirty="0" smtClean="0">
+              <a:rPr lang="en-US" b="0" i="0" dirty="0">
                 <a:solidFill>
                   <a:srgbClr val="404040"/>
                 </a:solidFill>
@@ -4990,7 +4902,7 @@
               <a:buChar char="•"/>
             </a:pPr>
             <a:r>
-              <a:rPr lang="en-US" b="0" i="0" dirty="0" smtClean="0">
+              <a:rPr lang="en-US" b="0" i="0" dirty="0">
                 <a:solidFill>
                   <a:srgbClr val="404040"/>
                 </a:solidFill>
@@ -5000,7 +4912,7 @@
               <a:t>A copy of Java installed and ready to use, with the JAVA_HOME environment variable set up (learn how to set up the JAVA_HOME environment variable in our </a:t>
             </a:r>
             <a:r>
-              <a:rPr lang="en-US" b="0" i="0" u="none" strike="noStrike" dirty="0" smtClean="0">
+              <a:rPr lang="en-US" b="0" i="0" u="none" strike="noStrike" dirty="0">
                 <a:solidFill>
                   <a:srgbClr val="0074DB"/>
                 </a:solidFill>
@@ -5011,7 +4923,7 @@
               <a:t>guide to installing Java on Windows</a:t>
             </a:r>
             <a:r>
-              <a:rPr lang="en-US" b="0" i="0" dirty="0" smtClean="0">
+              <a:rPr lang="en-US" b="0" i="0" dirty="0">
                 <a:solidFill>
                   <a:srgbClr val="404040"/>
                 </a:solidFill>
@@ -5020,13 +4932,6 @@
               </a:rPr>
               <a:t>).</a:t>
             </a:r>
-            <a:endParaRPr lang="en-US" b="0" i="0" dirty="0">
-              <a:solidFill>
-                <a:srgbClr val="404040"/>
-              </a:solidFill>
-              <a:effectLst/>
-              <a:latin typeface="roboto"/>
-            </a:endParaRPr>
           </a:p>
         </p:txBody>
       </p:sp>
@@ -5040,13 +4945,6 @@
   <p:clrMapOvr>
     <a:masterClrMapping/>
   </p:clrMapOvr>
-  <p:timing>
-    <p:tnLst>
-      <p:par>
-        <p:cTn id="1" dur="indefinite" restart="never" nodeType="tmRoot"/>
-      </p:par>
-    </p:tnLst>
-  </p:timing>
 </p:sld>
 </file>
 
@@ -5089,7 +4987,7 @@
           <a:lstStyle/>
           <a:p>
             <a:r>
-              <a:rPr lang="en-US" b="1" i="0" dirty="0" smtClean="0">
+              <a:rPr lang="en-US" b="1" i="0" dirty="0">
                 <a:solidFill>
                   <a:srgbClr val="000000"/>
                 </a:solidFill>
@@ -5101,7 +4999,7 @@
           </a:p>
           <a:p>
             <a:r>
-              <a:rPr lang="en-US" b="0" i="0" dirty="0" smtClean="0">
+              <a:rPr lang="en-US" b="0" i="0" dirty="0">
                 <a:solidFill>
                   <a:srgbClr val="404040"/>
                 </a:solidFill>
@@ -5110,13 +5008,6 @@
               </a:rPr>
               <a:t>In the command prompt, use the following command to verify the installation by checking the current version of Maven:</a:t>
             </a:r>
-            <a:endParaRPr lang="en-US" b="0" i="0" dirty="0">
-              <a:solidFill>
-                <a:srgbClr val="404040"/>
-              </a:solidFill>
-              <a:effectLst/>
-              <a:latin typeface="roboto"/>
-            </a:endParaRPr>
           </a:p>
         </p:txBody>
       </p:sp>
@@ -5130,13 +5021,6 @@
   <p:clrMapOvr>
     <a:masterClrMapping/>
   </p:clrMapOvr>
-  <p:timing>
-    <p:tnLst>
-      <p:par>
-        <p:cTn id="1" dur="indefinite" restart="never" nodeType="tmRoot"/>
-      </p:par>
-    </p:tnLst>
-  </p:timing>
 </p:sld>
 </file>
 
@@ -5355,7 +5239,7 @@
               <a:tabLst/>
             </a:pPr>
             <a:r>
-              <a:rPr kumimoji="0" lang="en-US" altLang="en-US" sz="1000" b="0" i="0" u="none" strike="noStrike" cap="none" normalizeH="0" baseline="0" smtClean="0">
+              <a:rPr kumimoji="0" lang="en-US" altLang="en-US" sz="1000" b="0" i="0" u="none" strike="noStrike" cap="none" normalizeH="0" baseline="0">
                 <a:ln>
                   <a:noFill/>
                 </a:ln>
@@ -5368,7 +5252,7 @@
               </a:rPr>
               <a:t>mvn -version</a:t>
             </a:r>
-            <a:endParaRPr kumimoji="0" lang="en-US" altLang="en-US" sz="800" b="0" i="0" u="none" strike="noStrike" cap="none" normalizeH="0" baseline="0" smtClean="0">
+            <a:endParaRPr kumimoji="0" lang="en-US" altLang="en-US" sz="800" b="0" i="0" u="none" strike="noStrike" cap="none" normalizeH="0" baseline="0">
               <a:ln>
                 <a:noFill/>
               </a:ln>
@@ -5395,8 +5279,8 @@
               <a:buNone/>
               <a:tabLst/>
             </a:pPr>
-            <a:r>
-              <a:rPr kumimoji="0" lang="en-US" altLang="en-US" sz="1200" b="0" i="0" u="none" strike="noStrike" cap="none" normalizeH="0" baseline="0" smtClean="0">
+            <a:br>
+              <a:rPr kumimoji="0" lang="en-US" altLang="en-US" sz="1200" b="0" i="0" u="none" strike="noStrike" cap="none" normalizeH="0" baseline="0">
                 <a:ln>
                   <a:noFill/>
                 </a:ln>
@@ -5406,21 +5290,8 @@
                 <a:effectLst/>
                 <a:latin typeface="roboto"/>
               </a:rPr>
-              <a:t/>
-            </a:r>
-            <a:br>
-              <a:rPr kumimoji="0" lang="en-US" altLang="en-US" sz="1200" b="0" i="0" u="none" strike="noStrike" cap="none" normalizeH="0" baseline="0" smtClean="0">
-                <a:ln>
-                  <a:noFill/>
-                </a:ln>
-                <a:solidFill>
-                  <a:srgbClr val="404040"/>
-                </a:solidFill>
-                <a:effectLst/>
-                <a:latin typeface="roboto"/>
-              </a:rPr>
             </a:br>
-            <a:endParaRPr kumimoji="0" lang="en-US" altLang="en-US" sz="1800" b="0" i="0" u="none" strike="noStrike" cap="none" normalizeH="0" baseline="0" smtClean="0">
+            <a:endParaRPr kumimoji="0" lang="en-US" altLang="en-US" sz="1800" b="0" i="0" u="none" strike="noStrike" cap="none" normalizeH="0" baseline="0">
               <a:ln>
                 <a:noFill/>
               </a:ln>
@@ -5631,7 +5502,7 @@
               <a:tabLst/>
             </a:pPr>
             <a:r>
-              <a:rPr kumimoji="0" lang="en-US" altLang="en-US" sz="1000" b="0" i="0" u="none" strike="noStrike" cap="none" normalizeH="0" baseline="0" dirty="0" err="1" smtClean="0">
+              <a:rPr kumimoji="0" lang="en-US" altLang="en-US" sz="1000" b="0" i="0" u="none" strike="noStrike" cap="none" normalizeH="0" baseline="0" dirty="0" err="1">
                 <a:ln>
                   <a:noFill/>
                 </a:ln>
@@ -5645,7 +5516,7 @@
               <a:t>mvn</a:t>
             </a:r>
             <a:r>
-              <a:rPr kumimoji="0" lang="en-US" altLang="en-US" sz="1000" b="0" i="0" u="none" strike="noStrike" cap="none" normalizeH="0" baseline="0" dirty="0" smtClean="0">
+              <a:rPr kumimoji="0" lang="en-US" altLang="en-US" sz="1000" b="0" i="0" u="none" strike="noStrike" cap="none" normalizeH="0" baseline="0" dirty="0">
                 <a:ln>
                   <a:noFill/>
                 </a:ln>
@@ -5658,7 +5529,7 @@
               </a:rPr>
               <a:t> -version</a:t>
             </a:r>
-            <a:endParaRPr kumimoji="0" lang="en-US" altLang="en-US" sz="800" b="0" i="0" u="none" strike="noStrike" cap="none" normalizeH="0" baseline="0" dirty="0" smtClean="0">
+            <a:endParaRPr kumimoji="0" lang="en-US" altLang="en-US" sz="800" b="0" i="0" u="none" strike="noStrike" cap="none" normalizeH="0" baseline="0" dirty="0">
               <a:ln>
                 <a:noFill/>
               </a:ln>
@@ -5685,8 +5556,8 @@
               <a:buNone/>
               <a:tabLst/>
             </a:pPr>
-            <a:r>
-              <a:rPr kumimoji="0" lang="en-US" altLang="en-US" sz="1200" b="0" i="0" u="none" strike="noStrike" cap="none" normalizeH="0" baseline="0" dirty="0" smtClean="0">
+            <a:br>
+              <a:rPr kumimoji="0" lang="en-US" altLang="en-US" sz="1200" b="0" i="0" u="none" strike="noStrike" cap="none" normalizeH="0" baseline="0" dirty="0">
                 <a:ln>
                   <a:noFill/>
                 </a:ln>
@@ -5696,21 +5567,8 @@
                 <a:effectLst/>
                 <a:latin typeface="roboto"/>
               </a:rPr>
-              <a:t/>
-            </a:r>
-            <a:br>
-              <a:rPr kumimoji="0" lang="en-US" altLang="en-US" sz="1200" b="0" i="0" u="none" strike="noStrike" cap="none" normalizeH="0" baseline="0" dirty="0" smtClean="0">
-                <a:ln>
-                  <a:noFill/>
-                </a:ln>
-                <a:solidFill>
-                  <a:srgbClr val="404040"/>
-                </a:solidFill>
-                <a:effectLst/>
-                <a:latin typeface="roboto"/>
-              </a:rPr>
             </a:br>
-            <a:endParaRPr kumimoji="0" lang="en-US" altLang="en-US" sz="1800" b="0" i="0" u="none" strike="noStrike" cap="none" normalizeH="0" baseline="0" dirty="0" smtClean="0">
+            <a:endParaRPr kumimoji="0" lang="en-US" altLang="en-US" sz="1800" b="0" i="0" u="none" strike="noStrike" cap="none" normalizeH="0" baseline="0" dirty="0">
               <a:ln>
                 <a:noFill/>
               </a:ln>
@@ -5745,34 +5603,33 @@
           <a:lstStyle/>
           <a:p>
             <a:r>
-              <a:rPr lang="en-US" dirty="0" smtClean="0"/>
+              <a:rPr lang="en-US" dirty="0"/>
               <a:t>Build Lifecycle Basics</a:t>
             </a:r>
           </a:p>
           <a:p>
             <a:r>
-              <a:rPr lang="en-US" dirty="0" smtClean="0"/>
+              <a:rPr lang="en-US" dirty="0"/>
               <a:t>Maven is based around the central concept of a build lifecycle. What this means is that the process for building and distributing a particular artifact (project) is clearly defined.</a:t>
             </a:r>
           </a:p>
           <a:p>
-            <a:endParaRPr lang="en-US" dirty="0" smtClean="0"/>
-          </a:p>
-          <a:p>
-            <a:r>
-              <a:rPr lang="en-US" dirty="0" smtClean="0"/>
+            <a:endParaRPr lang="en-US" dirty="0"/>
+          </a:p>
+          <a:p>
+            <a:r>
+              <a:rPr lang="en-US" dirty="0"/>
               <a:t>For the person building a project, this means that it is only necessary to learn a small set of commands to build any Maven project, and the POM will ensure they get the results they desired.</a:t>
             </a:r>
           </a:p>
           <a:p>
-            <a:endParaRPr lang="en-US" dirty="0" smtClean="0"/>
-          </a:p>
-          <a:p>
-            <a:r>
-              <a:rPr lang="en-US" dirty="0" smtClean="0"/>
+            <a:endParaRPr lang="en-US" dirty="0"/>
+          </a:p>
+          <a:p>
+            <a:r>
+              <a:rPr lang="en-US" dirty="0"/>
               <a:t>There are three built-in build lifecycles: default, clean and site. The default lifecycle handles your project deployment, the clean lifecycle handles project cleaning, while the site lifecycle handles the creation of your project's web site.</a:t>
             </a:r>
-            <a:endParaRPr lang="en-US" dirty="0"/>
           </a:p>
         </p:txBody>
       </p:sp>
@@ -5786,13 +5643,6 @@
   <p:clrMapOvr>
     <a:masterClrMapping/>
   </p:clrMapOvr>
-  <p:timing>
-    <p:tnLst>
-      <p:par>
-        <p:cTn id="1" dur="indefinite" restart="never" nodeType="tmRoot"/>
-      </p:par>
-    </p:tnLst>
-  </p:timing>
 </p:sld>
 </file>
 
@@ -5835,76 +5685,75 @@
           <a:lstStyle/>
           <a:p>
             <a:r>
-              <a:rPr lang="en-US" dirty="0" smtClean="0"/>
+              <a:rPr lang="en-US" dirty="0"/>
               <a:t>A Build Lifecycle is Made Up of Phases</a:t>
             </a:r>
           </a:p>
           <a:p>
             <a:r>
-              <a:rPr lang="en-US" dirty="0" smtClean="0"/>
+              <a:rPr lang="en-US" dirty="0"/>
               <a:t>Each of these build lifecycles is defined by a different list of build phases, wherein a build phase represents a stage in the lifecycle.</a:t>
             </a:r>
           </a:p>
           <a:p>
-            <a:endParaRPr lang="en-US" dirty="0" smtClean="0"/>
-          </a:p>
-          <a:p>
-            <a:r>
-              <a:rPr lang="en-US" dirty="0" smtClean="0"/>
+            <a:endParaRPr lang="en-US" dirty="0"/>
+          </a:p>
+          <a:p>
+            <a:r>
+              <a:rPr lang="en-US" dirty="0"/>
               <a:t>For example, the default lifecycle comprises of the following phases (for a complete list of the lifecycle phases, refer to the Lifecycle Reference):</a:t>
             </a:r>
           </a:p>
           <a:p>
-            <a:endParaRPr lang="en-US" dirty="0" smtClean="0"/>
-          </a:p>
-          <a:p>
-            <a:r>
-              <a:rPr lang="en-US" dirty="0" smtClean="0"/>
+            <a:endParaRPr lang="en-US" dirty="0"/>
+          </a:p>
+          <a:p>
+            <a:r>
+              <a:rPr lang="en-US" dirty="0"/>
               <a:t>validate - validate the project is correct and all necessary information is available</a:t>
             </a:r>
           </a:p>
           <a:p>
             <a:r>
-              <a:rPr lang="en-US" dirty="0" smtClean="0"/>
+              <a:rPr lang="en-US" dirty="0"/>
               <a:t>compile - compile the source code of the project</a:t>
             </a:r>
           </a:p>
           <a:p>
             <a:r>
-              <a:rPr lang="en-US" dirty="0" smtClean="0"/>
+              <a:rPr lang="en-US" dirty="0"/>
               <a:t>test - test the compiled source code using a suitable unit testing framework. These tests should not require the code be packaged or deployed</a:t>
             </a:r>
           </a:p>
           <a:p>
             <a:r>
-              <a:rPr lang="en-US" dirty="0" smtClean="0"/>
+              <a:rPr lang="en-US" dirty="0"/>
               <a:t>package - take the compiled code and package it in its distributable format, such as a JAR.</a:t>
             </a:r>
           </a:p>
           <a:p>
             <a:r>
-              <a:rPr lang="en-US" dirty="0" smtClean="0"/>
+              <a:rPr lang="en-US" dirty="0"/>
               <a:t>verify - run any checks on results of integration tests to ensure quality criteria are met</a:t>
             </a:r>
           </a:p>
           <a:p>
             <a:r>
-              <a:rPr lang="en-US" dirty="0" smtClean="0"/>
+              <a:rPr lang="en-US" dirty="0"/>
               <a:t>install - install the package into the local repository, for use as a dependency in other projects locally</a:t>
             </a:r>
           </a:p>
           <a:p>
             <a:r>
-              <a:rPr lang="en-US" dirty="0" smtClean="0"/>
+              <a:rPr lang="en-US" dirty="0"/>
               <a:t>deploy - done in the build environment, copies the final package to the remote repository for sharing with other developers and projects.</a:t>
             </a:r>
           </a:p>
           <a:p>
             <a:r>
-              <a:rPr lang="en-US" dirty="0" smtClean="0"/>
+              <a:rPr lang="en-US" dirty="0"/>
               <a:t>These lifecycle phases (plus the other lifecycle phases not shown here) are executed sequentially to complete the default lifecycle. Given the lifecycle phases above, this means that when the default lifecycle is used, Maven will first validate the project, then will try to compile the sources, run those against the tests, package the binaries (e.g. jar), run integration tests against that package, verify the integration tests, install the verified package to the local repository, then deploy the installed package to a remote repository.</a:t>
             </a:r>
-            <a:endParaRPr lang="en-US" dirty="0"/>
           </a:p>
         </p:txBody>
       </p:sp>
@@ -5918,13 +5767,6 @@
   <p:clrMapOvr>
     <a:masterClrMapping/>
   </p:clrMapOvr>
-  <p:timing>
-    <p:tnLst>
-      <p:par>
-        <p:cTn id="1" dur="indefinite" restart="never" nodeType="tmRoot"/>
-      </p:par>
-    </p:tnLst>
-  </p:timing>
 </p:sld>
 </file>
 
@@ -5968,28 +5810,27 @@
           <a:p>
             <a:pPr algn="just"/>
             <a:r>
-              <a:rPr lang="en-US" sz="2800" dirty="0" smtClean="0"/>
+              <a:rPr lang="en-US" sz="2800" dirty="0"/>
               <a:t>Usual Command Line Calls</a:t>
             </a:r>
           </a:p>
           <a:p>
             <a:pPr algn="just"/>
             <a:r>
-              <a:rPr lang="en-US" sz="2800" dirty="0" smtClean="0"/>
+              <a:rPr lang="en-US" sz="2800" dirty="0"/>
               <a:t>You should select the phase that matches your outcome. If you want your jar, run package. If you want to run the unit tests, run test.</a:t>
             </a:r>
           </a:p>
           <a:p>
             <a:pPr algn="just"/>
-            <a:endParaRPr lang="en-US" sz="2800" dirty="0" smtClean="0"/>
+            <a:endParaRPr lang="en-US" sz="2800" dirty="0"/>
           </a:p>
           <a:p>
             <a:pPr algn="just"/>
             <a:r>
-              <a:rPr lang="en-US" sz="2800" dirty="0" smtClean="0"/>
+              <a:rPr lang="en-US" sz="2800" dirty="0"/>
               <a:t>If you are uncertain what you want, the preferred phase to call is</a:t>
             </a:r>
-            <a:endParaRPr lang="en-US" sz="2800" dirty="0"/>
           </a:p>
         </p:txBody>
       </p:sp>
@@ -6003,13 +5844,6 @@
   <p:clrMapOvr>
     <a:masterClrMapping/>
   </p:clrMapOvr>
-  <p:timing>
-    <p:tnLst>
-      <p:par>
-        <p:cTn id="1" dur="indefinite" restart="never" nodeType="tmRoot"/>
-      </p:par>
-    </p:tnLst>
-  </p:timing>
 </p:sld>
 </file>
 
@@ -6053,14 +5887,13 @@
           <a:lstStyle/>
           <a:p>
             <a:r>
-              <a:rPr lang="en-US" dirty="0" err="1" smtClean="0"/>
+              <a:rPr lang="en-US" dirty="0" err="1"/>
               <a:t>mvn</a:t>
             </a:r>
             <a:r>
-              <a:rPr lang="en-US" dirty="0" smtClean="0"/>
+              <a:rPr lang="en-US" dirty="0"/>
               <a:t> verify</a:t>
             </a:r>
-            <a:endParaRPr lang="en-US" dirty="0"/>
           </a:p>
         </p:txBody>
       </p:sp>
@@ -6086,27 +5919,26 @@
           <a:lstStyle/>
           <a:p>
             <a:r>
-              <a:rPr lang="en-US" dirty="0" smtClean="0"/>
+              <a:rPr lang="en-US" dirty="0"/>
               <a:t>This command executes each default lifecycle phase in order (validate, compile, package, etc.), before executing verify. You only need to call the last build phase to be executed, in this case, verify. In most cases the effect is the same as package. However, in case there are integration-tests, these will be executed as well. And during the verify phase some additional checks can be done, e.g. if your code written according to the predefined </a:t>
             </a:r>
             <a:r>
-              <a:rPr lang="en-US" dirty="0" err="1" smtClean="0"/>
+              <a:rPr lang="en-US" dirty="0" err="1"/>
               <a:t>checkstyle</a:t>
             </a:r>
             <a:r>
-              <a:rPr lang="en-US" dirty="0" smtClean="0"/>
+              <a:rPr lang="en-US" dirty="0"/>
               <a:t> rules.</a:t>
             </a:r>
           </a:p>
           <a:p>
-            <a:endParaRPr lang="en-US" dirty="0" smtClean="0"/>
-          </a:p>
-          <a:p>
-            <a:r>
-              <a:rPr lang="en-US" dirty="0" smtClean="0"/>
+            <a:endParaRPr lang="en-US" dirty="0"/>
+          </a:p>
+          <a:p>
+            <a:r>
+              <a:rPr lang="en-US" dirty="0"/>
               <a:t>In a build environment, use the following call to cleanly build and deploy artifacts into the shared repository.</a:t>
             </a:r>
-            <a:endParaRPr lang="en-US" dirty="0"/>
           </a:p>
         </p:txBody>
       </p:sp>
@@ -6120,13 +5952,6 @@
   <p:clrMapOvr>
     <a:masterClrMapping/>
   </p:clrMapOvr>
-  <p:timing>
-    <p:tnLst>
-      <p:par>
-        <p:cTn id="1" dur="indefinite" restart="never" nodeType="tmRoot"/>
-      </p:par>
-    </p:tnLst>
-  </p:timing>
 </p:sld>
 </file>
 
@@ -6170,7 +5995,7 @@
           <a:p>
             <a:pPr fontAlgn="base"/>
             <a:r>
-              <a:rPr lang="en-US" b="1" i="0" dirty="0" smtClean="0">
+              <a:rPr lang="en-US" b="1" i="0" dirty="0">
                 <a:solidFill>
                   <a:srgbClr val="273239"/>
                 </a:solidFill>
@@ -6179,13 +6004,6 @@
               </a:rPr>
               <a:t>Maven Lifecycle and Basic Maven Commands</a:t>
             </a:r>
-            <a:endParaRPr lang="en-US" b="1" i="0" dirty="0">
-              <a:solidFill>
-                <a:srgbClr val="273239"/>
-              </a:solidFill>
-              <a:effectLst/>
-              <a:latin typeface="Source Sans 3"/>
-            </a:endParaRPr>
           </a:p>
         </p:txBody>
       </p:sp>
@@ -6199,13 +6017,6 @@
   <p:clrMapOvr>
     <a:masterClrMapping/>
   </p:clrMapOvr>
-  <p:timing>
-    <p:tnLst>
-      <p:par>
-        <p:cTn id="1" dur="indefinite" restart="never" nodeType="tmRoot"/>
-      </p:par>
-    </p:tnLst>
-  </p:timing>
 </p:sld>
 </file>
 
@@ -6249,7 +6060,7 @@
           <a:p>
             <a:pPr fontAlgn="base"/>
             <a:r>
-              <a:rPr lang="en-US" b="0" i="0" dirty="0" smtClean="0">
+              <a:rPr lang="en-US" b="0" i="0" dirty="0">
                 <a:solidFill>
                   <a:srgbClr val="273239"/>
                 </a:solidFill>
@@ -6262,7 +6073,7 @@
           <a:p>
             <a:pPr fontAlgn="base"/>
             <a:r>
-              <a:rPr lang="en-US" b="0" i="0" dirty="0" smtClean="0">
+              <a:rPr lang="en-US" b="0" i="0" dirty="0">
                 <a:solidFill>
                   <a:srgbClr val="273239"/>
                 </a:solidFill>
@@ -6272,7 +6083,7 @@
               <a:t>For more details on how Maven works, how to install Maven and its applications, please visit: </a:t>
             </a:r>
             <a:r>
-              <a:rPr lang="en-US" b="0" i="0" u="sng" dirty="0" smtClean="0">
+              <a:rPr lang="en-US" b="0" i="0" u="sng" dirty="0">
                 <a:solidFill>
                   <a:srgbClr val="273239"/>
                 </a:solidFill>
@@ -6281,36 +6092,6 @@
                 <a:hlinkClick r:id="rId2"/>
               </a:rPr>
               <a:t>Introduction to Apache Maven</a:t>
-            </a:r>
-            <a:endParaRPr lang="en-US" b="0" i="0" dirty="0" smtClean="0">
-              <a:solidFill>
-                <a:srgbClr val="273239"/>
-              </a:solidFill>
-              <a:effectLst/>
-              <a:latin typeface="Nunito"/>
-            </a:endParaRPr>
-          </a:p>
-          <a:p>
-            <a:pPr fontAlgn="base"/>
-            <a:r>
-              <a:rPr lang="en-US" b="1" i="0" dirty="0" smtClean="0">
-                <a:solidFill>
-                  <a:srgbClr val="273239"/>
-                </a:solidFill>
-                <a:effectLst/>
-                <a:latin typeface="Nunito"/>
-              </a:rPr>
-              <a:t>Maven Lifecycle: </a:t>
-            </a:r>
-            <a:r>
-              <a:rPr lang="en-US" b="0" i="0" dirty="0" smtClean="0">
-                <a:solidFill>
-                  <a:srgbClr val="273239"/>
-                </a:solidFill>
-                <a:effectLst/>
-                <a:latin typeface="Nunito"/>
-              </a:rPr>
-              <a:t>Below is a representation of the default Maven lifecycle and its 8 steps: Validate, Compile, Test, Package, Integration test, Verify, Install, and Deploy.</a:t>
             </a:r>
             <a:endParaRPr lang="en-US" b="0" i="0" dirty="0">
               <a:solidFill>
@@ -6319,6 +6100,29 @@
               <a:effectLst/>
               <a:latin typeface="Nunito"/>
             </a:endParaRPr>
+          </a:p>
+          <a:p>
+            <a:pPr fontAlgn="base"/>
+            <a:r>
+              <a:rPr lang="en-US" b="1" i="0" dirty="0">
+                <a:solidFill>
+                  <a:srgbClr val="273239"/>
+                </a:solidFill>
+                <a:effectLst/>
+                <a:latin typeface="Nunito"/>
+              </a:rPr>
+              <a:t>Maven Lifecycle: </a:t>
+            </a:r>
+            <a:r>
+              <a:rPr lang="en-US" b="0" i="0" dirty="0">
+                <a:solidFill>
+                  <a:srgbClr val="273239"/>
+                </a:solidFill>
+                <a:effectLst/>
+                <a:latin typeface="Nunito"/>
+              </a:rPr>
+              <a:t>Below is a representation of the default Maven lifecycle and its 8 steps: Validate, Compile, Test, Package, Integration test, Verify, Install, and Deploy.</a:t>
+            </a:r>
           </a:p>
         </p:txBody>
       </p:sp>
@@ -6332,13 +6136,6 @@
   <p:clrMapOvr>
     <a:masterClrMapping/>
   </p:clrMapOvr>
-  <p:timing>
-    <p:tnLst>
-      <p:par>
-        <p:cTn id="1" dur="indefinite" restart="never" nodeType="tmRoot"/>
-      </p:par>
-    </p:tnLst>
-  </p:timing>
 </p:sld>
 </file>
 
@@ -6410,13 +6207,6 @@
   <p:clrMapOvr>
     <a:masterClrMapping/>
   </p:clrMapOvr>
-  <p:timing>
-    <p:tnLst>
-      <p:par>
-        <p:cTn id="1" dur="indefinite" restart="never" nodeType="tmRoot"/>
-      </p:par>
-    </p:tnLst>
-  </p:timing>
 </p:sld>
 </file>
 
@@ -6463,7 +6253,7 @@
               <a:buAutoNum type="arabicPeriod"/>
             </a:pPr>
             <a:r>
-              <a:rPr lang="en-US" b="1" i="0" dirty="0" smtClean="0">
+              <a:rPr lang="en-US" b="1" i="0" dirty="0">
                 <a:solidFill>
                   <a:srgbClr val="273239"/>
                 </a:solidFill>
@@ -6473,7 +6263,7 @@
               <a:t>Validate:</a:t>
             </a:r>
             <a:r>
-              <a:rPr lang="en-US" b="0" i="0" dirty="0" smtClean="0">
+              <a:rPr lang="en-US" b="0" i="0" dirty="0">
                 <a:solidFill>
                   <a:srgbClr val="273239"/>
                 </a:solidFill>
@@ -6489,7 +6279,7 @@
               <a:buAutoNum type="arabicPeriod"/>
             </a:pPr>
             <a:r>
-              <a:rPr lang="en-US" b="1" i="0" dirty="0" smtClean="0">
+              <a:rPr lang="en-US" b="1" i="0" dirty="0">
                 <a:solidFill>
                   <a:srgbClr val="273239"/>
                 </a:solidFill>
@@ -6499,7 +6289,7 @@
               <a:t>Compile:</a:t>
             </a:r>
             <a:r>
-              <a:rPr lang="en-US" b="0" i="0" dirty="0" smtClean="0">
+              <a:rPr lang="en-US" b="0" i="0" dirty="0">
                 <a:solidFill>
                   <a:srgbClr val="273239"/>
                 </a:solidFill>
@@ -6515,7 +6305,7 @@
               <a:buAutoNum type="arabicPeriod"/>
             </a:pPr>
             <a:r>
-              <a:rPr lang="en-US" b="1" i="0" dirty="0" smtClean="0">
+              <a:rPr lang="en-US" b="1" i="0" dirty="0">
                 <a:solidFill>
                   <a:srgbClr val="273239"/>
                 </a:solidFill>
@@ -6525,7 +6315,7 @@
               <a:t>Test:</a:t>
             </a:r>
             <a:r>
-              <a:rPr lang="en-US" b="0" i="0" dirty="0" smtClean="0">
+              <a:rPr lang="en-US" b="0" i="0" dirty="0">
                 <a:solidFill>
                   <a:srgbClr val="273239"/>
                 </a:solidFill>
@@ -6541,7 +6331,7 @@
               <a:buAutoNum type="arabicPeriod"/>
             </a:pPr>
             <a:r>
-              <a:rPr lang="en-US" b="1" i="0" dirty="0" smtClean="0">
+              <a:rPr lang="en-US" b="1" i="0" dirty="0">
                 <a:solidFill>
                   <a:srgbClr val="273239"/>
                 </a:solidFill>
@@ -6551,7 +6341,7 @@
               <a:t>Package:</a:t>
             </a:r>
             <a:r>
-              <a:rPr lang="en-US" b="0" i="0" dirty="0" smtClean="0">
+              <a:rPr lang="en-US" b="0" i="0" dirty="0">
                 <a:solidFill>
                   <a:srgbClr val="273239"/>
                 </a:solidFill>
@@ -6567,7 +6357,7 @@
               <a:buAutoNum type="arabicPeriod"/>
             </a:pPr>
             <a:r>
-              <a:rPr lang="en-US" b="1" i="0" dirty="0" smtClean="0">
+              <a:rPr lang="en-US" b="1" i="0" dirty="0">
                 <a:solidFill>
                   <a:srgbClr val="273239"/>
                 </a:solidFill>
@@ -6577,7 +6367,7 @@
               <a:t>Integration test:</a:t>
             </a:r>
             <a:r>
-              <a:rPr lang="en-US" b="0" i="0" dirty="0" smtClean="0">
+              <a:rPr lang="en-US" b="0" i="0" dirty="0">
                 <a:solidFill>
                   <a:srgbClr val="273239"/>
                 </a:solidFill>
@@ -6593,7 +6383,7 @@
               <a:buAutoNum type="arabicPeriod"/>
             </a:pPr>
             <a:r>
-              <a:rPr lang="en-US" b="1" i="0" dirty="0" smtClean="0">
+              <a:rPr lang="en-US" b="1" i="0" dirty="0">
                 <a:solidFill>
                   <a:srgbClr val="273239"/>
                 </a:solidFill>
@@ -6603,7 +6393,7 @@
               <a:t>Verify:</a:t>
             </a:r>
             <a:r>
-              <a:rPr lang="en-US" b="0" i="0" dirty="0" smtClean="0">
+              <a:rPr lang="en-US" b="0" i="0" dirty="0">
                 <a:solidFill>
                   <a:srgbClr val="273239"/>
                 </a:solidFill>
@@ -6619,7 +6409,7 @@
               <a:buAutoNum type="arabicPeriod"/>
             </a:pPr>
             <a:r>
-              <a:rPr lang="en-US" b="1" i="0" dirty="0" smtClean="0">
+              <a:rPr lang="en-US" b="1" i="0" dirty="0">
                 <a:solidFill>
                   <a:srgbClr val="273239"/>
                 </a:solidFill>
@@ -6629,7 +6419,7 @@
               <a:t>Install:</a:t>
             </a:r>
             <a:r>
-              <a:rPr lang="en-US" b="0" i="0" dirty="0" smtClean="0">
+              <a:rPr lang="en-US" b="0" i="0" dirty="0">
                 <a:solidFill>
                   <a:srgbClr val="273239"/>
                 </a:solidFill>
@@ -6645,7 +6435,7 @@
               <a:buAutoNum type="arabicPeriod"/>
             </a:pPr>
             <a:r>
-              <a:rPr lang="en-US" b="1" i="0" dirty="0" smtClean="0">
+              <a:rPr lang="en-US" b="1" i="0" dirty="0">
                 <a:solidFill>
                   <a:srgbClr val="273239"/>
                 </a:solidFill>
@@ -6655,7 +6445,7 @@
               <a:t>Deploy:</a:t>
             </a:r>
             <a:r>
-              <a:rPr lang="en-US" b="0" i="0" dirty="0" smtClean="0">
+              <a:rPr lang="en-US" b="0" i="0" dirty="0">
                 <a:solidFill>
                   <a:srgbClr val="273239"/>
                 </a:solidFill>
@@ -6664,13 +6454,6 @@
               </a:rPr>
               <a:t> It copies the packaged code to the remote repository for sharing it with other developers.</a:t>
             </a:r>
-            <a:endParaRPr lang="en-US" b="0" i="0" dirty="0">
-              <a:solidFill>
-                <a:srgbClr val="273239"/>
-              </a:solidFill>
-              <a:effectLst/>
-              <a:latin typeface="Nunito"/>
-            </a:endParaRPr>
           </a:p>
         </p:txBody>
       </p:sp>
@@ -6684,13 +6467,6 @@
   <p:clrMapOvr>
     <a:masterClrMapping/>
   </p:clrMapOvr>
-  <p:timing>
-    <p:tnLst>
-      <p:par>
-        <p:cTn id="1" dur="indefinite" restart="never" nodeType="tmRoot"/>
-      </p:par>
-    </p:tnLst>
-  </p:timing>
 </p:sld>
 </file>
 
@@ -6733,7 +6509,7 @@
           <a:lstStyle/>
           <a:p>
             <a:r>
-              <a:rPr lang="en-US" b="0" i="0" dirty="0" smtClean="0">
+              <a:rPr lang="en-US" b="0" i="0" dirty="0">
                 <a:solidFill>
                   <a:srgbClr val="273239"/>
                 </a:solidFill>
@@ -6743,7 +6519,7 @@
               <a:t>Maven follows a sequential order to execute the commands where if you run step </a:t>
             </a:r>
             <a:r>
-              <a:rPr lang="en-US" b="0" i="1" dirty="0" smtClean="0">
+              <a:rPr lang="en-US" b="0" i="1" dirty="0">
                 <a:solidFill>
                   <a:srgbClr val="273239"/>
                 </a:solidFill>
@@ -6753,7 +6529,7 @@
               <a:t>n</a:t>
             </a:r>
             <a:r>
-              <a:rPr lang="en-US" b="0" i="0" dirty="0" smtClean="0">
+              <a:rPr lang="en-US" b="0" i="0" dirty="0">
                 <a:solidFill>
                   <a:srgbClr val="273239"/>
                 </a:solidFill>
@@ -6763,7 +6539,7 @@
               <a:t>, all steps preceding it (Step 1 to </a:t>
             </a:r>
             <a:r>
-              <a:rPr lang="en-US" b="0" i="1" dirty="0" smtClean="0">
+              <a:rPr lang="en-US" b="0" i="1" dirty="0">
                 <a:solidFill>
                   <a:srgbClr val="273239"/>
                 </a:solidFill>
@@ -6773,7 +6549,7 @@
               <a:t>n-1</a:t>
             </a:r>
             <a:r>
-              <a:rPr lang="en-US" b="0" i="0" dirty="0" smtClean="0">
+              <a:rPr lang="en-US" b="0" i="0" dirty="0">
                 <a:solidFill>
                   <a:srgbClr val="273239"/>
                 </a:solidFill>
@@ -6796,13 +6572,6 @@
   <p:clrMapOvr>
     <a:masterClrMapping/>
   </p:clrMapOvr>
-  <p:timing>
-    <p:tnLst>
-      <p:par>
-        <p:cTn id="1" dur="indefinite" restart="never" nodeType="tmRoot"/>
-      </p:par>
-    </p:tnLst>
-  </p:timing>
 </p:sld>
 </file>
 
@@ -6845,7 +6614,7 @@
           <a:lstStyle/>
           <a:p>
             <a:r>
-              <a:rPr lang="en-US" b="1" i="0" dirty="0" smtClean="0">
+              <a:rPr lang="en-US" b="1" i="0" dirty="0">
                 <a:solidFill>
                   <a:srgbClr val="404040"/>
                 </a:solidFill>
@@ -6857,7 +6626,7 @@
           </a:p>
           <a:p>
             <a:r>
-              <a:rPr lang="en-US" b="0" i="0" dirty="0" smtClean="0">
+              <a:rPr lang="en-US" b="0" i="0" dirty="0">
                 <a:solidFill>
                   <a:srgbClr val="404040"/>
                 </a:solidFill>
@@ -6869,7 +6638,7 @@
           </a:p>
           <a:p>
             <a:r>
-              <a:rPr lang="en-US" b="1" i="0" dirty="0" smtClean="0">
+              <a:rPr lang="en-US" b="1" i="0" dirty="0">
                 <a:solidFill>
                   <a:srgbClr val="000000"/>
                 </a:solidFill>
@@ -6881,7 +6650,7 @@
           </a:p>
           <a:p>
             <a:r>
-              <a:rPr lang="en-US" b="0" i="0" dirty="0" smtClean="0">
+              <a:rPr lang="en-US" b="0" i="0" dirty="0">
                 <a:solidFill>
                   <a:srgbClr val="404040"/>
                 </a:solidFill>
@@ -6891,7 +6660,7 @@
               <a:t>1. Visit the </a:t>
             </a:r>
             <a:r>
-              <a:rPr lang="en-US" b="0" i="0" u="none" strike="noStrike" dirty="0" smtClean="0">
+              <a:rPr lang="en-US" b="0" i="0" u="none" strike="noStrike" dirty="0">
                 <a:solidFill>
                   <a:srgbClr val="0074DB"/>
                 </a:solidFill>
@@ -6902,7 +6671,7 @@
               <a:t>Maven download page</a:t>
             </a:r>
             <a:r>
-              <a:rPr lang="en-US" b="0" i="0" dirty="0" smtClean="0">
+              <a:rPr lang="en-US" b="0" i="0" dirty="0">
                 <a:solidFill>
                   <a:srgbClr val="404040"/>
                 </a:solidFill>
@@ -6912,7 +6681,7 @@
               <a:t> and download the version of Maven you want to install. The </a:t>
             </a:r>
             <a:r>
-              <a:rPr lang="en-US" b="0" i="1" dirty="0" smtClean="0">
+              <a:rPr lang="en-US" b="0" i="1" dirty="0">
                 <a:solidFill>
                   <a:srgbClr val="404040"/>
                 </a:solidFill>
@@ -6922,7 +6691,7 @@
               <a:t>Files</a:t>
             </a:r>
             <a:r>
-              <a:rPr lang="en-US" b="0" i="0" dirty="0" smtClean="0">
+              <a:rPr lang="en-US" b="0" i="0" dirty="0">
                 <a:solidFill>
                   <a:srgbClr val="404040"/>
                 </a:solidFill>
@@ -6932,7 +6701,7 @@
               <a:t> section contains the archives of the latest version. Access earlier versions using the archives link in the </a:t>
             </a:r>
             <a:r>
-              <a:rPr lang="en-US" b="0" i="1" dirty="0" smtClean="0">
+              <a:rPr lang="en-US" b="0" i="1" dirty="0">
                 <a:solidFill>
                   <a:srgbClr val="404040"/>
                 </a:solidFill>
@@ -6942,7 +6711,7 @@
               <a:t>Previous Releases</a:t>
             </a:r>
             <a:r>
-              <a:rPr lang="en-US" b="0" i="0" dirty="0" smtClean="0">
+              <a:rPr lang="en-US" b="0" i="0" dirty="0">
                 <a:solidFill>
                   <a:srgbClr val="404040"/>
                 </a:solidFill>
@@ -6954,7 +6723,7 @@
           </a:p>
           <a:p>
             <a:r>
-              <a:rPr lang="en-US" b="0" i="0" dirty="0" smtClean="0">
+              <a:rPr lang="en-US" b="0" i="0" dirty="0">
                 <a:solidFill>
                   <a:srgbClr val="404040"/>
                 </a:solidFill>
@@ -6963,13 +6732,6 @@
               </a:rPr>
               <a:t>2. Click on the appropriate link to download the binary zip archive of the latest version of Maven. As of the time of writing this tutorial, that is version 3.8.4.</a:t>
             </a:r>
-            <a:endParaRPr lang="en-US" b="0" i="0" dirty="0">
-              <a:solidFill>
-                <a:srgbClr val="404040"/>
-              </a:solidFill>
-              <a:effectLst/>
-              <a:latin typeface="roboto"/>
-            </a:endParaRPr>
           </a:p>
         </p:txBody>
       </p:sp>
@@ -6983,13 +6745,6 @@
   <p:clrMapOvr>
     <a:masterClrMapping/>
   </p:clrMapOvr>
-  <p:timing>
-    <p:tnLst>
-      <p:par>
-        <p:cTn id="1" dur="indefinite" restart="never" nodeType="tmRoot"/>
-      </p:par>
-    </p:tnLst>
-  </p:timing>
 </p:sld>
 </file>
 
@@ -7033,7 +6788,7 @@
           <a:p>
             <a:pPr fontAlgn="base"/>
             <a:r>
-              <a:rPr lang="en-US" b="1" i="0" dirty="0" smtClean="0">
+              <a:rPr lang="en-US" b="1" i="0" dirty="0">
                 <a:solidFill>
                   <a:srgbClr val="273239"/>
                 </a:solidFill>
@@ -7041,561 +6796,6 @@
                 <a:latin typeface="Nunito"/>
               </a:rPr>
               <a:t>Maven Commands:</a:t>
-            </a:r>
-            <a:endParaRPr lang="en-US" b="0" i="0" dirty="0" smtClean="0">
-              <a:solidFill>
-                <a:srgbClr val="273239"/>
-              </a:solidFill>
-              <a:effectLst/>
-              <a:latin typeface="Nunito"/>
-            </a:endParaRPr>
-          </a:p>
-          <a:p>
-            <a:pPr fontAlgn="base">
-              <a:buFont typeface="Arial" panose="020B0604020202020204" pitchFamily="34" charset="0"/>
-              <a:buChar char="•"/>
-            </a:pPr>
-            <a:r>
-              <a:rPr lang="en-US" b="1" i="0" dirty="0" err="1" smtClean="0">
-                <a:solidFill>
-                  <a:srgbClr val="273239"/>
-                </a:solidFill>
-                <a:effectLst/>
-                <a:latin typeface="Nunito"/>
-              </a:rPr>
-              <a:t>mvn</a:t>
-            </a:r>
-            <a:r>
-              <a:rPr lang="en-US" b="1" i="0" dirty="0" smtClean="0">
-                <a:solidFill>
-                  <a:srgbClr val="273239"/>
-                </a:solidFill>
-                <a:effectLst/>
-                <a:latin typeface="Nunito"/>
-              </a:rPr>
-              <a:t> clean:</a:t>
-            </a:r>
-            <a:r>
-              <a:rPr lang="en-US" b="0" i="0" dirty="0" smtClean="0">
-                <a:solidFill>
-                  <a:srgbClr val="273239"/>
-                </a:solidFill>
-                <a:effectLst/>
-                <a:latin typeface="Nunito"/>
-              </a:rPr>
-              <a:t> Cleans the project and removes all files generated by the previous build.</a:t>
-            </a:r>
-          </a:p>
-          <a:p>
-            <a:pPr fontAlgn="base">
-              <a:buFont typeface="Arial" panose="020B0604020202020204" pitchFamily="34" charset="0"/>
-              <a:buChar char="•"/>
-            </a:pPr>
-            <a:r>
-              <a:rPr lang="en-US" b="1" i="0" dirty="0" err="1" smtClean="0">
-                <a:solidFill>
-                  <a:srgbClr val="273239"/>
-                </a:solidFill>
-                <a:effectLst/>
-                <a:latin typeface="Nunito"/>
-              </a:rPr>
-              <a:t>mvn</a:t>
-            </a:r>
-            <a:r>
-              <a:rPr lang="en-US" b="1" i="0" dirty="0" smtClean="0">
-                <a:solidFill>
-                  <a:srgbClr val="273239"/>
-                </a:solidFill>
-                <a:effectLst/>
-                <a:latin typeface="Nunito"/>
-              </a:rPr>
-              <a:t> compile:</a:t>
-            </a:r>
-            <a:r>
-              <a:rPr lang="en-US" b="0" i="0" dirty="0" smtClean="0">
-                <a:solidFill>
-                  <a:srgbClr val="273239"/>
-                </a:solidFill>
-                <a:effectLst/>
-                <a:latin typeface="Nunito"/>
-              </a:rPr>
-              <a:t> Compiles source code of the project.</a:t>
-            </a:r>
-          </a:p>
-          <a:p>
-            <a:pPr fontAlgn="base">
-              <a:buFont typeface="Arial" panose="020B0604020202020204" pitchFamily="34" charset="0"/>
-              <a:buChar char="•"/>
-            </a:pPr>
-            <a:r>
-              <a:rPr lang="en-US" b="1" i="0" dirty="0" err="1" smtClean="0">
-                <a:solidFill>
-                  <a:srgbClr val="273239"/>
-                </a:solidFill>
-                <a:effectLst/>
-                <a:latin typeface="Nunito"/>
-              </a:rPr>
-              <a:t>mvn</a:t>
-            </a:r>
-            <a:r>
-              <a:rPr lang="en-US" b="1" i="0" dirty="0" smtClean="0">
-                <a:solidFill>
-                  <a:srgbClr val="273239"/>
-                </a:solidFill>
-                <a:effectLst/>
-                <a:latin typeface="Nunito"/>
-              </a:rPr>
-              <a:t> test-compile:</a:t>
-            </a:r>
-            <a:r>
-              <a:rPr lang="en-US" b="0" i="0" dirty="0" smtClean="0">
-                <a:solidFill>
-                  <a:srgbClr val="273239"/>
-                </a:solidFill>
-                <a:effectLst/>
-                <a:latin typeface="Nunito"/>
-              </a:rPr>
-              <a:t> Compiles the test source code.</a:t>
-            </a:r>
-          </a:p>
-          <a:p>
-            <a:pPr fontAlgn="base">
-              <a:buFont typeface="Arial" panose="020B0604020202020204" pitchFamily="34" charset="0"/>
-              <a:buChar char="•"/>
-            </a:pPr>
-            <a:r>
-              <a:rPr lang="en-US" b="1" i="0" dirty="0" err="1" smtClean="0">
-                <a:solidFill>
-                  <a:srgbClr val="273239"/>
-                </a:solidFill>
-                <a:effectLst/>
-                <a:latin typeface="Nunito"/>
-              </a:rPr>
-              <a:t>mvn</a:t>
-            </a:r>
-            <a:r>
-              <a:rPr lang="en-US" b="1" i="0" dirty="0" smtClean="0">
-                <a:solidFill>
-                  <a:srgbClr val="273239"/>
-                </a:solidFill>
-                <a:effectLst/>
-                <a:latin typeface="Nunito"/>
-              </a:rPr>
-              <a:t> test:</a:t>
-            </a:r>
-            <a:r>
-              <a:rPr lang="en-US" b="0" i="0" dirty="0" smtClean="0">
-                <a:solidFill>
-                  <a:srgbClr val="273239"/>
-                </a:solidFill>
-                <a:effectLst/>
-                <a:latin typeface="Nunito"/>
-              </a:rPr>
-              <a:t> Runs tests for the project.</a:t>
-            </a:r>
-          </a:p>
-          <a:p>
-            <a:pPr fontAlgn="base">
-              <a:buFont typeface="Arial" panose="020B0604020202020204" pitchFamily="34" charset="0"/>
-              <a:buChar char="•"/>
-            </a:pPr>
-            <a:r>
-              <a:rPr lang="en-US" b="1" i="0" dirty="0" err="1" smtClean="0">
-                <a:solidFill>
-                  <a:srgbClr val="273239"/>
-                </a:solidFill>
-                <a:effectLst/>
-                <a:latin typeface="Nunito"/>
-              </a:rPr>
-              <a:t>mvn</a:t>
-            </a:r>
-            <a:r>
-              <a:rPr lang="en-US" b="1" i="0" dirty="0" smtClean="0">
-                <a:solidFill>
-                  <a:srgbClr val="273239"/>
-                </a:solidFill>
-                <a:effectLst/>
-                <a:latin typeface="Nunito"/>
-              </a:rPr>
-              <a:t> package:</a:t>
-            </a:r>
-            <a:r>
-              <a:rPr lang="en-US" b="0" i="0" dirty="0" smtClean="0">
-                <a:solidFill>
-                  <a:srgbClr val="273239"/>
-                </a:solidFill>
-                <a:effectLst/>
-                <a:latin typeface="Nunito"/>
-              </a:rPr>
-              <a:t> Creates JAR or WAR file for the project to convert it into a distributable format.</a:t>
-            </a:r>
-          </a:p>
-          <a:p>
-            <a:pPr fontAlgn="base">
-              <a:buFont typeface="Arial" panose="020B0604020202020204" pitchFamily="34" charset="0"/>
-              <a:buChar char="•"/>
-            </a:pPr>
-            <a:r>
-              <a:rPr lang="en-US" b="1" i="0" dirty="0" err="1" smtClean="0">
-                <a:solidFill>
-                  <a:srgbClr val="273239"/>
-                </a:solidFill>
-                <a:effectLst/>
-                <a:latin typeface="Nunito"/>
-              </a:rPr>
-              <a:t>mvn</a:t>
-            </a:r>
-            <a:r>
-              <a:rPr lang="en-US" b="1" i="0" dirty="0" smtClean="0">
-                <a:solidFill>
-                  <a:srgbClr val="273239"/>
-                </a:solidFill>
-                <a:effectLst/>
-                <a:latin typeface="Nunito"/>
-              </a:rPr>
-              <a:t> install:</a:t>
-            </a:r>
-            <a:r>
-              <a:rPr lang="en-US" b="0" i="0" dirty="0" smtClean="0">
-                <a:solidFill>
-                  <a:srgbClr val="273239"/>
-                </a:solidFill>
-                <a:effectLst/>
-                <a:latin typeface="Nunito"/>
-              </a:rPr>
-              <a:t> Deploys the packaged JAR/ WAR file to the local repository.</a:t>
-            </a:r>
-          </a:p>
-          <a:p>
-            <a:pPr fontAlgn="base">
-              <a:buFont typeface="Arial" panose="020B0604020202020204" pitchFamily="34" charset="0"/>
-              <a:buChar char="•"/>
-            </a:pPr>
-            <a:r>
-              <a:rPr lang="en-US" b="1" i="0" dirty="0" err="1" smtClean="0">
-                <a:solidFill>
-                  <a:srgbClr val="273239"/>
-                </a:solidFill>
-                <a:effectLst/>
-                <a:latin typeface="Nunito"/>
-              </a:rPr>
-              <a:t>mvn</a:t>
-            </a:r>
-            <a:r>
-              <a:rPr lang="en-US" b="1" i="0" dirty="0" smtClean="0">
-                <a:solidFill>
-                  <a:srgbClr val="273239"/>
-                </a:solidFill>
-                <a:effectLst/>
-                <a:latin typeface="Nunito"/>
-              </a:rPr>
-              <a:t> site:</a:t>
-            </a:r>
-            <a:r>
-              <a:rPr lang="en-US" b="0" i="0" dirty="0" smtClean="0">
-                <a:solidFill>
-                  <a:srgbClr val="273239"/>
-                </a:solidFill>
-                <a:effectLst/>
-                <a:latin typeface="Nunito"/>
-              </a:rPr>
-              <a:t> generate the project documentation.</a:t>
-            </a:r>
-          </a:p>
-          <a:p>
-            <a:pPr fontAlgn="base">
-              <a:buFont typeface="Arial" panose="020B0604020202020204" pitchFamily="34" charset="0"/>
-              <a:buChar char="•"/>
-            </a:pPr>
-            <a:r>
-              <a:rPr lang="en-US" b="1" i="0" dirty="0" err="1" smtClean="0">
-                <a:solidFill>
-                  <a:srgbClr val="273239"/>
-                </a:solidFill>
-                <a:effectLst/>
-                <a:latin typeface="Nunito"/>
-              </a:rPr>
-              <a:t>mvn</a:t>
-            </a:r>
-            <a:r>
-              <a:rPr lang="en-US" b="1" i="0" dirty="0" smtClean="0">
-                <a:solidFill>
-                  <a:srgbClr val="273239"/>
-                </a:solidFill>
-                <a:effectLst/>
-                <a:latin typeface="Nunito"/>
-              </a:rPr>
-              <a:t> validate:</a:t>
-            </a:r>
-            <a:r>
-              <a:rPr lang="en-US" b="0" i="0" dirty="0" smtClean="0">
-                <a:solidFill>
-                  <a:srgbClr val="273239"/>
-                </a:solidFill>
-                <a:effectLst/>
-                <a:latin typeface="Nunito"/>
-              </a:rPr>
-              <a:t> validate the project’s POM and configuration.</a:t>
-            </a:r>
-          </a:p>
-          <a:p>
-            <a:pPr fontAlgn="base">
-              <a:buFont typeface="Arial" panose="020B0604020202020204" pitchFamily="34" charset="0"/>
-              <a:buChar char="•"/>
-            </a:pPr>
-            <a:r>
-              <a:rPr lang="en-US" b="1" i="0" dirty="0" err="1" smtClean="0">
-                <a:solidFill>
-                  <a:srgbClr val="273239"/>
-                </a:solidFill>
-                <a:effectLst/>
-                <a:latin typeface="Nunito"/>
-              </a:rPr>
-              <a:t>mvn</a:t>
-            </a:r>
-            <a:r>
-              <a:rPr lang="en-US" b="1" i="0" dirty="0" smtClean="0">
-                <a:solidFill>
-                  <a:srgbClr val="273239"/>
-                </a:solidFill>
-                <a:effectLst/>
-                <a:latin typeface="Nunito"/>
-              </a:rPr>
-              <a:t> </a:t>
-            </a:r>
-            <a:r>
-              <a:rPr lang="en-US" b="1" i="0" dirty="0" err="1" smtClean="0">
-                <a:solidFill>
-                  <a:srgbClr val="273239"/>
-                </a:solidFill>
-                <a:effectLst/>
-                <a:latin typeface="Nunito"/>
-              </a:rPr>
-              <a:t>idea:idea</a:t>
-            </a:r>
-            <a:r>
-              <a:rPr lang="en-US" b="1" i="0" dirty="0" smtClean="0">
-                <a:solidFill>
-                  <a:srgbClr val="273239"/>
-                </a:solidFill>
-                <a:effectLst/>
-                <a:latin typeface="Nunito"/>
-              </a:rPr>
-              <a:t>:</a:t>
-            </a:r>
-            <a:r>
-              <a:rPr lang="en-US" b="0" i="0" dirty="0" smtClean="0">
-                <a:solidFill>
-                  <a:srgbClr val="273239"/>
-                </a:solidFill>
-                <a:effectLst/>
-                <a:latin typeface="Nunito"/>
-              </a:rPr>
-              <a:t> generate project files for IntelliJ IDEA or Eclipse.</a:t>
-            </a:r>
-          </a:p>
-          <a:p>
-            <a:pPr fontAlgn="base">
-              <a:buFont typeface="Arial" panose="020B0604020202020204" pitchFamily="34" charset="0"/>
-              <a:buChar char="•"/>
-            </a:pPr>
-            <a:r>
-              <a:rPr lang="en-US" b="1" i="0" dirty="0" err="1" smtClean="0">
-                <a:solidFill>
-                  <a:srgbClr val="273239"/>
-                </a:solidFill>
-                <a:effectLst/>
-                <a:latin typeface="Nunito"/>
-              </a:rPr>
-              <a:t>mvn</a:t>
-            </a:r>
-            <a:r>
-              <a:rPr lang="en-US" b="1" i="0" dirty="0" smtClean="0">
-                <a:solidFill>
-                  <a:srgbClr val="273239"/>
-                </a:solidFill>
-                <a:effectLst/>
-                <a:latin typeface="Nunito"/>
-              </a:rPr>
-              <a:t> </a:t>
-            </a:r>
-            <a:r>
-              <a:rPr lang="en-US" b="1" i="0" dirty="0" err="1" smtClean="0">
-                <a:solidFill>
-                  <a:srgbClr val="273239"/>
-                </a:solidFill>
-                <a:effectLst/>
-                <a:latin typeface="Nunito"/>
-              </a:rPr>
-              <a:t>release:perform</a:t>
-            </a:r>
-            <a:r>
-              <a:rPr lang="en-US" b="1" i="0" dirty="0" smtClean="0">
-                <a:solidFill>
-                  <a:srgbClr val="273239"/>
-                </a:solidFill>
-                <a:effectLst/>
-                <a:latin typeface="Nunito"/>
-              </a:rPr>
-              <a:t>:</a:t>
-            </a:r>
-            <a:r>
-              <a:rPr lang="en-US" b="0" i="0" dirty="0" smtClean="0">
-                <a:solidFill>
-                  <a:srgbClr val="273239"/>
-                </a:solidFill>
-                <a:effectLst/>
-                <a:latin typeface="Nunito"/>
-              </a:rPr>
-              <a:t> Performs a release build.</a:t>
-            </a:r>
-          </a:p>
-          <a:p>
-            <a:pPr fontAlgn="base">
-              <a:buFont typeface="Arial" panose="020B0604020202020204" pitchFamily="34" charset="0"/>
-              <a:buChar char="•"/>
-            </a:pPr>
-            <a:r>
-              <a:rPr lang="en-US" b="1" i="0" dirty="0" err="1" smtClean="0">
-                <a:solidFill>
-                  <a:srgbClr val="273239"/>
-                </a:solidFill>
-                <a:effectLst/>
-                <a:latin typeface="Nunito"/>
-              </a:rPr>
-              <a:t>mvn</a:t>
-            </a:r>
-            <a:r>
-              <a:rPr lang="en-US" b="1" i="0" dirty="0" smtClean="0">
-                <a:solidFill>
-                  <a:srgbClr val="273239"/>
-                </a:solidFill>
-                <a:effectLst/>
-                <a:latin typeface="Nunito"/>
-              </a:rPr>
-              <a:t> deploy:</a:t>
-            </a:r>
-            <a:r>
-              <a:rPr lang="en-US" b="0" i="0" dirty="0" smtClean="0">
-                <a:solidFill>
-                  <a:srgbClr val="273239"/>
-                </a:solidFill>
-                <a:effectLst/>
-                <a:latin typeface="Nunito"/>
-              </a:rPr>
-              <a:t> Copies the packaged JAR/ WAR file to the remote repository after compiling, running tests and building the project.</a:t>
-            </a:r>
-          </a:p>
-          <a:p>
-            <a:pPr fontAlgn="base">
-              <a:buFont typeface="Arial" panose="020B0604020202020204" pitchFamily="34" charset="0"/>
-              <a:buChar char="•"/>
-            </a:pPr>
-            <a:r>
-              <a:rPr lang="en-US" b="1" i="0" dirty="0" err="1" smtClean="0">
-                <a:solidFill>
-                  <a:srgbClr val="273239"/>
-                </a:solidFill>
-                <a:effectLst/>
-                <a:latin typeface="Nunito"/>
-              </a:rPr>
-              <a:t>mvn</a:t>
-            </a:r>
-            <a:r>
-              <a:rPr lang="en-US" b="1" i="0" dirty="0" smtClean="0">
-                <a:solidFill>
-                  <a:srgbClr val="273239"/>
-                </a:solidFill>
-                <a:effectLst/>
-                <a:latin typeface="Nunito"/>
-              </a:rPr>
-              <a:t> </a:t>
-            </a:r>
-            <a:r>
-              <a:rPr lang="en-US" b="1" i="0" dirty="0" err="1" smtClean="0">
-                <a:solidFill>
-                  <a:srgbClr val="273239"/>
-                </a:solidFill>
-                <a:effectLst/>
-                <a:latin typeface="Nunito"/>
-              </a:rPr>
-              <a:t>archetype:generate</a:t>
-            </a:r>
-            <a:r>
-              <a:rPr lang="en-US" b="1" i="0" dirty="0" smtClean="0">
-                <a:solidFill>
-                  <a:srgbClr val="273239"/>
-                </a:solidFill>
-                <a:effectLst/>
-                <a:latin typeface="Nunito"/>
-              </a:rPr>
-              <a:t>:</a:t>
-            </a:r>
-            <a:r>
-              <a:rPr lang="en-US" b="0" i="0" dirty="0" smtClean="0">
-                <a:solidFill>
-                  <a:srgbClr val="273239"/>
-                </a:solidFill>
-                <a:effectLst/>
-                <a:latin typeface="Nunito"/>
-              </a:rPr>
-              <a:t> This command is used to generate a new project from an archetype, which is a template for a project. This command is typically used to create new projects based on a specific pattern or structure.</a:t>
-            </a:r>
-          </a:p>
-          <a:p>
-            <a:pPr fontAlgn="base">
-              <a:buFont typeface="Arial" panose="020B0604020202020204" pitchFamily="34" charset="0"/>
-              <a:buChar char="•"/>
-            </a:pPr>
-            <a:r>
-              <a:rPr lang="en-US" b="1" i="0" dirty="0" err="1" smtClean="0">
-                <a:solidFill>
-                  <a:srgbClr val="273239"/>
-                </a:solidFill>
-                <a:effectLst/>
-                <a:latin typeface="Nunito"/>
-              </a:rPr>
-              <a:t>mvn</a:t>
-            </a:r>
-            <a:r>
-              <a:rPr lang="en-US" b="1" i="0" dirty="0" smtClean="0">
-                <a:solidFill>
-                  <a:srgbClr val="273239"/>
-                </a:solidFill>
-                <a:effectLst/>
-                <a:latin typeface="Nunito"/>
-              </a:rPr>
-              <a:t> </a:t>
-            </a:r>
-            <a:r>
-              <a:rPr lang="en-US" b="1" i="0" dirty="0" err="1" smtClean="0">
-                <a:solidFill>
-                  <a:srgbClr val="273239"/>
-                </a:solidFill>
-                <a:effectLst/>
-                <a:latin typeface="Nunito"/>
-              </a:rPr>
-              <a:t>dependency:tree</a:t>
-            </a:r>
-            <a:r>
-              <a:rPr lang="en-US" b="1" i="0" dirty="0" smtClean="0">
-                <a:solidFill>
-                  <a:srgbClr val="273239"/>
-                </a:solidFill>
-                <a:effectLst/>
-                <a:latin typeface="Nunito"/>
-              </a:rPr>
-              <a:t>:</a:t>
-            </a:r>
-            <a:r>
-              <a:rPr lang="en-US" b="0" i="0" dirty="0" smtClean="0">
-                <a:solidFill>
-                  <a:srgbClr val="273239"/>
-                </a:solidFill>
-                <a:effectLst/>
-                <a:latin typeface="Nunito"/>
-              </a:rPr>
-              <a:t> This command is used to display the dependencies of the project in a tree format. This command is typically used to understand the dependencies of the project and troubleshoot any issues.</a:t>
             </a:r>
             <a:endParaRPr lang="en-US" b="0" i="0" dirty="0">
               <a:solidFill>
@@ -7604,6 +6804,554 @@
               <a:effectLst/>
               <a:latin typeface="Nunito"/>
             </a:endParaRPr>
+          </a:p>
+          <a:p>
+            <a:pPr fontAlgn="base">
+              <a:buFont typeface="Arial" panose="020B0604020202020204" pitchFamily="34" charset="0"/>
+              <a:buChar char="•"/>
+            </a:pPr>
+            <a:r>
+              <a:rPr lang="en-US" b="1" i="0" dirty="0" err="1">
+                <a:solidFill>
+                  <a:srgbClr val="273239"/>
+                </a:solidFill>
+                <a:effectLst/>
+                <a:latin typeface="Nunito"/>
+              </a:rPr>
+              <a:t>mvn</a:t>
+            </a:r>
+            <a:r>
+              <a:rPr lang="en-US" b="1" i="0" dirty="0">
+                <a:solidFill>
+                  <a:srgbClr val="273239"/>
+                </a:solidFill>
+                <a:effectLst/>
+                <a:latin typeface="Nunito"/>
+              </a:rPr>
+              <a:t> clean:</a:t>
+            </a:r>
+            <a:r>
+              <a:rPr lang="en-US" b="0" i="0" dirty="0">
+                <a:solidFill>
+                  <a:srgbClr val="273239"/>
+                </a:solidFill>
+                <a:effectLst/>
+                <a:latin typeface="Nunito"/>
+              </a:rPr>
+              <a:t> Cleans the project and removes all files generated by the previous build.</a:t>
+            </a:r>
+          </a:p>
+          <a:p>
+            <a:pPr fontAlgn="base">
+              <a:buFont typeface="Arial" panose="020B0604020202020204" pitchFamily="34" charset="0"/>
+              <a:buChar char="•"/>
+            </a:pPr>
+            <a:r>
+              <a:rPr lang="en-US" b="1" i="0" dirty="0" err="1">
+                <a:solidFill>
+                  <a:srgbClr val="273239"/>
+                </a:solidFill>
+                <a:effectLst/>
+                <a:latin typeface="Nunito"/>
+              </a:rPr>
+              <a:t>mvn</a:t>
+            </a:r>
+            <a:r>
+              <a:rPr lang="en-US" b="1" i="0" dirty="0">
+                <a:solidFill>
+                  <a:srgbClr val="273239"/>
+                </a:solidFill>
+                <a:effectLst/>
+                <a:latin typeface="Nunito"/>
+              </a:rPr>
+              <a:t> compile:</a:t>
+            </a:r>
+            <a:r>
+              <a:rPr lang="en-US" b="0" i="0" dirty="0">
+                <a:solidFill>
+                  <a:srgbClr val="273239"/>
+                </a:solidFill>
+                <a:effectLst/>
+                <a:latin typeface="Nunito"/>
+              </a:rPr>
+              <a:t> Compiles source code of the project.</a:t>
+            </a:r>
+          </a:p>
+          <a:p>
+            <a:pPr fontAlgn="base">
+              <a:buFont typeface="Arial" panose="020B0604020202020204" pitchFamily="34" charset="0"/>
+              <a:buChar char="•"/>
+            </a:pPr>
+            <a:r>
+              <a:rPr lang="en-US" b="1" i="0" dirty="0" err="1">
+                <a:solidFill>
+                  <a:srgbClr val="273239"/>
+                </a:solidFill>
+                <a:effectLst/>
+                <a:latin typeface="Nunito"/>
+              </a:rPr>
+              <a:t>mvn</a:t>
+            </a:r>
+            <a:r>
+              <a:rPr lang="en-US" b="1" i="0" dirty="0">
+                <a:solidFill>
+                  <a:srgbClr val="273239"/>
+                </a:solidFill>
+                <a:effectLst/>
+                <a:latin typeface="Nunito"/>
+              </a:rPr>
+              <a:t> test-compile:</a:t>
+            </a:r>
+            <a:r>
+              <a:rPr lang="en-US" b="0" i="0" dirty="0">
+                <a:solidFill>
+                  <a:srgbClr val="273239"/>
+                </a:solidFill>
+                <a:effectLst/>
+                <a:latin typeface="Nunito"/>
+              </a:rPr>
+              <a:t> Compiles the test source code.</a:t>
+            </a:r>
+          </a:p>
+          <a:p>
+            <a:pPr fontAlgn="base">
+              <a:buFont typeface="Arial" panose="020B0604020202020204" pitchFamily="34" charset="0"/>
+              <a:buChar char="•"/>
+            </a:pPr>
+            <a:r>
+              <a:rPr lang="en-US" b="1" i="0" dirty="0" err="1">
+                <a:solidFill>
+                  <a:srgbClr val="273239"/>
+                </a:solidFill>
+                <a:effectLst/>
+                <a:latin typeface="Nunito"/>
+              </a:rPr>
+              <a:t>mvn</a:t>
+            </a:r>
+            <a:r>
+              <a:rPr lang="en-US" b="1" i="0" dirty="0">
+                <a:solidFill>
+                  <a:srgbClr val="273239"/>
+                </a:solidFill>
+                <a:effectLst/>
+                <a:latin typeface="Nunito"/>
+              </a:rPr>
+              <a:t> test:</a:t>
+            </a:r>
+            <a:r>
+              <a:rPr lang="en-US" b="0" i="0" dirty="0">
+                <a:solidFill>
+                  <a:srgbClr val="273239"/>
+                </a:solidFill>
+                <a:effectLst/>
+                <a:latin typeface="Nunito"/>
+              </a:rPr>
+              <a:t> Runs tests for the project.</a:t>
+            </a:r>
+          </a:p>
+          <a:p>
+            <a:pPr fontAlgn="base">
+              <a:buFont typeface="Arial" panose="020B0604020202020204" pitchFamily="34" charset="0"/>
+              <a:buChar char="•"/>
+            </a:pPr>
+            <a:r>
+              <a:rPr lang="en-US" b="1" i="0" dirty="0" err="1">
+                <a:solidFill>
+                  <a:srgbClr val="273239"/>
+                </a:solidFill>
+                <a:effectLst/>
+                <a:latin typeface="Nunito"/>
+              </a:rPr>
+              <a:t>mvn</a:t>
+            </a:r>
+            <a:r>
+              <a:rPr lang="en-US" b="1" i="0" dirty="0">
+                <a:solidFill>
+                  <a:srgbClr val="273239"/>
+                </a:solidFill>
+                <a:effectLst/>
+                <a:latin typeface="Nunito"/>
+              </a:rPr>
+              <a:t> package:</a:t>
+            </a:r>
+            <a:r>
+              <a:rPr lang="en-US" b="0" i="0" dirty="0">
+                <a:solidFill>
+                  <a:srgbClr val="273239"/>
+                </a:solidFill>
+                <a:effectLst/>
+                <a:latin typeface="Nunito"/>
+              </a:rPr>
+              <a:t> Creates JAR or WAR file for the project to convert it into a distributable format.</a:t>
+            </a:r>
+          </a:p>
+          <a:p>
+            <a:pPr fontAlgn="base">
+              <a:buFont typeface="Arial" panose="020B0604020202020204" pitchFamily="34" charset="0"/>
+              <a:buChar char="•"/>
+            </a:pPr>
+            <a:r>
+              <a:rPr lang="en-US" b="1" i="0" dirty="0" err="1">
+                <a:solidFill>
+                  <a:srgbClr val="273239"/>
+                </a:solidFill>
+                <a:effectLst/>
+                <a:latin typeface="Nunito"/>
+              </a:rPr>
+              <a:t>mvn</a:t>
+            </a:r>
+            <a:r>
+              <a:rPr lang="en-US" b="1" i="0" dirty="0">
+                <a:solidFill>
+                  <a:srgbClr val="273239"/>
+                </a:solidFill>
+                <a:effectLst/>
+                <a:latin typeface="Nunito"/>
+              </a:rPr>
+              <a:t> install:</a:t>
+            </a:r>
+            <a:r>
+              <a:rPr lang="en-US" b="0" i="0" dirty="0">
+                <a:solidFill>
+                  <a:srgbClr val="273239"/>
+                </a:solidFill>
+                <a:effectLst/>
+                <a:latin typeface="Nunito"/>
+              </a:rPr>
+              <a:t> Deploys the packaged JAR/ WAR file to the local repository.</a:t>
+            </a:r>
+          </a:p>
+          <a:p>
+            <a:pPr fontAlgn="base">
+              <a:buFont typeface="Arial" panose="020B0604020202020204" pitchFamily="34" charset="0"/>
+              <a:buChar char="•"/>
+            </a:pPr>
+            <a:r>
+              <a:rPr lang="en-US" b="1" i="0" dirty="0" err="1">
+                <a:solidFill>
+                  <a:srgbClr val="273239"/>
+                </a:solidFill>
+                <a:effectLst/>
+                <a:latin typeface="Nunito"/>
+              </a:rPr>
+              <a:t>mvn</a:t>
+            </a:r>
+            <a:r>
+              <a:rPr lang="en-US" b="1" i="0" dirty="0">
+                <a:solidFill>
+                  <a:srgbClr val="273239"/>
+                </a:solidFill>
+                <a:effectLst/>
+                <a:latin typeface="Nunito"/>
+              </a:rPr>
+              <a:t> site:</a:t>
+            </a:r>
+            <a:r>
+              <a:rPr lang="en-US" b="0" i="0" dirty="0">
+                <a:solidFill>
+                  <a:srgbClr val="273239"/>
+                </a:solidFill>
+                <a:effectLst/>
+                <a:latin typeface="Nunito"/>
+              </a:rPr>
+              <a:t> generate the project documentation.</a:t>
+            </a:r>
+          </a:p>
+          <a:p>
+            <a:pPr fontAlgn="base">
+              <a:buFont typeface="Arial" panose="020B0604020202020204" pitchFamily="34" charset="0"/>
+              <a:buChar char="•"/>
+            </a:pPr>
+            <a:r>
+              <a:rPr lang="en-US" b="1" i="0" dirty="0" err="1">
+                <a:solidFill>
+                  <a:srgbClr val="273239"/>
+                </a:solidFill>
+                <a:effectLst/>
+                <a:latin typeface="Nunito"/>
+              </a:rPr>
+              <a:t>mvn</a:t>
+            </a:r>
+            <a:r>
+              <a:rPr lang="en-US" b="1" i="0" dirty="0">
+                <a:solidFill>
+                  <a:srgbClr val="273239"/>
+                </a:solidFill>
+                <a:effectLst/>
+                <a:latin typeface="Nunito"/>
+              </a:rPr>
+              <a:t> validate:</a:t>
+            </a:r>
+            <a:r>
+              <a:rPr lang="en-US" b="0" i="0" dirty="0">
+                <a:solidFill>
+                  <a:srgbClr val="273239"/>
+                </a:solidFill>
+                <a:effectLst/>
+                <a:latin typeface="Nunito"/>
+              </a:rPr>
+              <a:t> validate the project’s POM and configuration.</a:t>
+            </a:r>
+          </a:p>
+          <a:p>
+            <a:pPr fontAlgn="base">
+              <a:buFont typeface="Arial" panose="020B0604020202020204" pitchFamily="34" charset="0"/>
+              <a:buChar char="•"/>
+            </a:pPr>
+            <a:r>
+              <a:rPr lang="en-US" b="1" i="0" dirty="0" err="1">
+                <a:solidFill>
+                  <a:srgbClr val="273239"/>
+                </a:solidFill>
+                <a:effectLst/>
+                <a:latin typeface="Nunito"/>
+              </a:rPr>
+              <a:t>mvn</a:t>
+            </a:r>
+            <a:r>
+              <a:rPr lang="en-US" b="1" i="0" dirty="0">
+                <a:solidFill>
+                  <a:srgbClr val="273239"/>
+                </a:solidFill>
+                <a:effectLst/>
+                <a:latin typeface="Nunito"/>
+              </a:rPr>
+              <a:t> </a:t>
+            </a:r>
+            <a:r>
+              <a:rPr lang="en-US" b="1" i="0" dirty="0" err="1">
+                <a:solidFill>
+                  <a:srgbClr val="273239"/>
+                </a:solidFill>
+                <a:effectLst/>
+                <a:latin typeface="Nunito"/>
+              </a:rPr>
+              <a:t>idea:idea</a:t>
+            </a:r>
+            <a:r>
+              <a:rPr lang="en-US" b="1" i="0" dirty="0">
+                <a:solidFill>
+                  <a:srgbClr val="273239"/>
+                </a:solidFill>
+                <a:effectLst/>
+                <a:latin typeface="Nunito"/>
+              </a:rPr>
+              <a:t>:</a:t>
+            </a:r>
+            <a:r>
+              <a:rPr lang="en-US" b="0" i="0" dirty="0">
+                <a:solidFill>
+                  <a:srgbClr val="273239"/>
+                </a:solidFill>
+                <a:effectLst/>
+                <a:latin typeface="Nunito"/>
+              </a:rPr>
+              <a:t> generate project files for IntelliJ IDEA or Eclipse.</a:t>
+            </a:r>
+          </a:p>
+          <a:p>
+            <a:pPr fontAlgn="base">
+              <a:buFont typeface="Arial" panose="020B0604020202020204" pitchFamily="34" charset="0"/>
+              <a:buChar char="•"/>
+            </a:pPr>
+            <a:r>
+              <a:rPr lang="en-US" b="1" i="0" dirty="0" err="1">
+                <a:solidFill>
+                  <a:srgbClr val="273239"/>
+                </a:solidFill>
+                <a:effectLst/>
+                <a:latin typeface="Nunito"/>
+              </a:rPr>
+              <a:t>mvn</a:t>
+            </a:r>
+            <a:r>
+              <a:rPr lang="en-US" b="1" i="0" dirty="0">
+                <a:solidFill>
+                  <a:srgbClr val="273239"/>
+                </a:solidFill>
+                <a:effectLst/>
+                <a:latin typeface="Nunito"/>
+              </a:rPr>
+              <a:t> </a:t>
+            </a:r>
+            <a:r>
+              <a:rPr lang="en-US" b="1" i="0" dirty="0" err="1">
+                <a:solidFill>
+                  <a:srgbClr val="273239"/>
+                </a:solidFill>
+                <a:effectLst/>
+                <a:latin typeface="Nunito"/>
+              </a:rPr>
+              <a:t>release:perform</a:t>
+            </a:r>
+            <a:r>
+              <a:rPr lang="en-US" b="1" i="0" dirty="0">
+                <a:solidFill>
+                  <a:srgbClr val="273239"/>
+                </a:solidFill>
+                <a:effectLst/>
+                <a:latin typeface="Nunito"/>
+              </a:rPr>
+              <a:t>:</a:t>
+            </a:r>
+            <a:r>
+              <a:rPr lang="en-US" b="0" i="0" dirty="0">
+                <a:solidFill>
+                  <a:srgbClr val="273239"/>
+                </a:solidFill>
+                <a:effectLst/>
+                <a:latin typeface="Nunito"/>
+              </a:rPr>
+              <a:t> Performs a release build.</a:t>
+            </a:r>
+          </a:p>
+          <a:p>
+            <a:pPr fontAlgn="base">
+              <a:buFont typeface="Arial" panose="020B0604020202020204" pitchFamily="34" charset="0"/>
+              <a:buChar char="•"/>
+            </a:pPr>
+            <a:r>
+              <a:rPr lang="en-US" b="1" i="0" dirty="0" err="1">
+                <a:solidFill>
+                  <a:srgbClr val="273239"/>
+                </a:solidFill>
+                <a:effectLst/>
+                <a:latin typeface="Nunito"/>
+              </a:rPr>
+              <a:t>mvn</a:t>
+            </a:r>
+            <a:r>
+              <a:rPr lang="en-US" b="1" i="0" dirty="0">
+                <a:solidFill>
+                  <a:srgbClr val="273239"/>
+                </a:solidFill>
+                <a:effectLst/>
+                <a:latin typeface="Nunito"/>
+              </a:rPr>
+              <a:t> deploy:</a:t>
+            </a:r>
+            <a:r>
+              <a:rPr lang="en-US" b="0" i="0" dirty="0">
+                <a:solidFill>
+                  <a:srgbClr val="273239"/>
+                </a:solidFill>
+                <a:effectLst/>
+                <a:latin typeface="Nunito"/>
+              </a:rPr>
+              <a:t> Copies the packaged JAR/ WAR file to the remote repository after compiling, running tests and building the project.</a:t>
+            </a:r>
+          </a:p>
+          <a:p>
+            <a:pPr fontAlgn="base">
+              <a:buFont typeface="Arial" panose="020B0604020202020204" pitchFamily="34" charset="0"/>
+              <a:buChar char="•"/>
+            </a:pPr>
+            <a:r>
+              <a:rPr lang="en-US" b="1" i="0" dirty="0" err="1">
+                <a:solidFill>
+                  <a:srgbClr val="273239"/>
+                </a:solidFill>
+                <a:effectLst/>
+                <a:latin typeface="Nunito"/>
+              </a:rPr>
+              <a:t>mvn</a:t>
+            </a:r>
+            <a:r>
+              <a:rPr lang="en-US" b="1" i="0" dirty="0">
+                <a:solidFill>
+                  <a:srgbClr val="273239"/>
+                </a:solidFill>
+                <a:effectLst/>
+                <a:latin typeface="Nunito"/>
+              </a:rPr>
+              <a:t> </a:t>
+            </a:r>
+            <a:r>
+              <a:rPr lang="en-US" b="1" i="0" dirty="0" err="1">
+                <a:solidFill>
+                  <a:srgbClr val="273239"/>
+                </a:solidFill>
+                <a:effectLst/>
+                <a:latin typeface="Nunito"/>
+              </a:rPr>
+              <a:t>archetype:generate</a:t>
+            </a:r>
+            <a:r>
+              <a:rPr lang="en-US" b="1" i="0" dirty="0">
+                <a:solidFill>
+                  <a:srgbClr val="273239"/>
+                </a:solidFill>
+                <a:effectLst/>
+                <a:latin typeface="Nunito"/>
+              </a:rPr>
+              <a:t>:</a:t>
+            </a:r>
+            <a:r>
+              <a:rPr lang="en-US" b="0" i="0" dirty="0">
+                <a:solidFill>
+                  <a:srgbClr val="273239"/>
+                </a:solidFill>
+                <a:effectLst/>
+                <a:latin typeface="Nunito"/>
+              </a:rPr>
+              <a:t> This command is used to generate a new project from an archetype, which is a template for a project. This command is typically used to create new projects based on a specific pattern or structure.</a:t>
+            </a:r>
+          </a:p>
+          <a:p>
+            <a:pPr fontAlgn="base">
+              <a:buFont typeface="Arial" panose="020B0604020202020204" pitchFamily="34" charset="0"/>
+              <a:buChar char="•"/>
+            </a:pPr>
+            <a:r>
+              <a:rPr lang="en-US" b="1" i="0" dirty="0" err="1">
+                <a:solidFill>
+                  <a:srgbClr val="273239"/>
+                </a:solidFill>
+                <a:effectLst/>
+                <a:latin typeface="Nunito"/>
+              </a:rPr>
+              <a:t>mvn</a:t>
+            </a:r>
+            <a:r>
+              <a:rPr lang="en-US" b="1" i="0" dirty="0">
+                <a:solidFill>
+                  <a:srgbClr val="273239"/>
+                </a:solidFill>
+                <a:effectLst/>
+                <a:latin typeface="Nunito"/>
+              </a:rPr>
+              <a:t> </a:t>
+            </a:r>
+            <a:r>
+              <a:rPr lang="en-US" b="1" i="0" dirty="0" err="1">
+                <a:solidFill>
+                  <a:srgbClr val="273239"/>
+                </a:solidFill>
+                <a:effectLst/>
+                <a:latin typeface="Nunito"/>
+              </a:rPr>
+              <a:t>dependency:tree</a:t>
+            </a:r>
+            <a:r>
+              <a:rPr lang="en-US" b="1" i="0" dirty="0">
+                <a:solidFill>
+                  <a:srgbClr val="273239"/>
+                </a:solidFill>
+                <a:effectLst/>
+                <a:latin typeface="Nunito"/>
+              </a:rPr>
+              <a:t>:</a:t>
+            </a:r>
+            <a:r>
+              <a:rPr lang="en-US" b="0" i="0" dirty="0">
+                <a:solidFill>
+                  <a:srgbClr val="273239"/>
+                </a:solidFill>
+                <a:effectLst/>
+                <a:latin typeface="Nunito"/>
+              </a:rPr>
+              <a:t> This command is used to display the dependencies of the project in a tree format. This command is typically used to understand the dependencies of the project and troubleshoot any issues.</a:t>
+            </a:r>
           </a:p>
         </p:txBody>
       </p:sp>
@@ -7617,13 +7365,6 @@
   <p:clrMapOvr>
     <a:masterClrMapping/>
   </p:clrMapOvr>
-  <p:timing>
-    <p:tnLst>
-      <p:par>
-        <p:cTn id="1" dur="indefinite" restart="never" nodeType="tmRoot"/>
-      </p:par>
-    </p:tnLst>
-  </p:timing>
 </p:sld>
 </file>
 
@@ -7666,7 +7407,7 @@
           <a:lstStyle/>
           <a:p>
             <a:r>
-              <a:rPr lang="en-US" b="0" i="0" dirty="0" smtClean="0">
+              <a:rPr lang="en-US" b="0" i="0" dirty="0">
                 <a:solidFill>
                   <a:srgbClr val="273239"/>
                 </a:solidFill>
@@ -7676,7 +7417,7 @@
               <a:t>Generally when we run any of the above commands, we add the </a:t>
             </a:r>
             <a:r>
-              <a:rPr lang="en-US" b="1" i="0" dirty="0" err="1" smtClean="0">
+              <a:rPr lang="en-US" b="1" i="0" dirty="0" err="1">
                 <a:solidFill>
                   <a:srgbClr val="273239"/>
                 </a:solidFill>
@@ -7686,7 +7427,7 @@
               <a:t>mvn</a:t>
             </a:r>
             <a:r>
-              <a:rPr lang="en-US" b="1" i="0" dirty="0" smtClean="0">
+              <a:rPr lang="en-US" b="1" i="0" dirty="0">
                 <a:solidFill>
                   <a:srgbClr val="273239"/>
                 </a:solidFill>
@@ -7696,7 +7437,7 @@
               <a:t> clean</a:t>
             </a:r>
             <a:r>
-              <a:rPr lang="en-US" b="0" i="0" dirty="0" smtClean="0">
+              <a:rPr lang="en-US" b="0" i="0" dirty="0">
                 <a:solidFill>
                   <a:srgbClr val="273239"/>
                 </a:solidFill>
@@ -7706,7 +7447,7 @@
               <a:t> step so that the target folder generated from the previous build is removed before running a newer build. This is how the command would look on integrating the </a:t>
             </a:r>
             <a:r>
-              <a:rPr lang="en-US" b="0" i="1" dirty="0" smtClean="0">
+              <a:rPr lang="en-US" b="0" i="1" dirty="0">
                 <a:solidFill>
                   <a:srgbClr val="273239"/>
                 </a:solidFill>
@@ -7716,7 +7457,7 @@
               <a:t>clean</a:t>
             </a:r>
             <a:r>
-              <a:rPr lang="en-US" b="0" i="0" dirty="0" smtClean="0">
+              <a:rPr lang="en-US" b="0" i="0" dirty="0">
                 <a:solidFill>
                   <a:srgbClr val="273239"/>
                 </a:solidFill>
@@ -7726,7 +7467,7 @@
               <a:t> step with </a:t>
             </a:r>
             <a:r>
-              <a:rPr lang="en-US" b="0" i="1" dirty="0" smtClean="0">
+              <a:rPr lang="en-US" b="0" i="1" dirty="0">
                 <a:solidFill>
                   <a:srgbClr val="273239"/>
                 </a:solidFill>
@@ -7736,7 +7477,7 @@
               <a:t>install</a:t>
             </a:r>
             <a:r>
-              <a:rPr lang="en-US" b="0" i="0" dirty="0" smtClean="0">
+              <a:rPr lang="en-US" b="0" i="0" dirty="0">
                 <a:solidFill>
                   <a:srgbClr val="273239"/>
                 </a:solidFill>
@@ -7762,19 +7503,10 @@
                 </a:solidFill>
                 <a:latin typeface="Nunito"/>
               </a:rPr>
-              <a:t>m</a:t>
-            </a:r>
-            <a:r>
-              <a:rPr lang="en-US" dirty="0" err="1" smtClean="0">
-                <a:solidFill>
-                  <a:srgbClr val="273239"/>
-                </a:solidFill>
-                <a:latin typeface="Nunito"/>
-              </a:rPr>
-              <a:t>vn</a:t>
-            </a:r>
-            <a:r>
-              <a:rPr lang="en-US" dirty="0" smtClean="0">
+              <a:t>mvn</a:t>
+            </a:r>
+            <a:r>
+              <a:rPr lang="en-US" dirty="0">
                 <a:solidFill>
                   <a:srgbClr val="273239"/>
                 </a:solidFill>
@@ -7796,13 +7528,6 @@
   <p:clrMapOvr>
     <a:masterClrMapping/>
   </p:clrMapOvr>
-  <p:timing>
-    <p:tnLst>
-      <p:par>
-        <p:cTn id="1" dur="indefinite" restart="never" nodeType="tmRoot"/>
-      </p:par>
-    </p:tnLst>
-  </p:timing>
 </p:sld>
 </file>
 
@@ -7845,23 +7570,22 @@
           <a:lstStyle/>
           <a:p>
             <a:r>
-              <a:rPr lang="en-US" dirty="0" smtClean="0"/>
+              <a:rPr lang="en-US" dirty="0"/>
               <a:t>Similarly, if we want to run the step in debug mode for more detailed build information and logs, we will add -X to the actual command. Hence, the install step with debug mode on will have the following command: </a:t>
             </a:r>
           </a:p>
           <a:p>
-            <a:endParaRPr lang="en-US" dirty="0" smtClean="0"/>
-          </a:p>
-          <a:p>
-            <a:r>
-              <a:rPr lang="en-US" dirty="0" err="1" smtClean="0"/>
+            <a:endParaRPr lang="en-US" dirty="0"/>
+          </a:p>
+          <a:p>
+            <a:r>
+              <a:rPr lang="en-US" dirty="0" err="1"/>
               <a:t>mvn</a:t>
             </a:r>
             <a:r>
-              <a:rPr lang="en-US" dirty="0" smtClean="0"/>
+              <a:rPr lang="en-US" dirty="0"/>
               <a:t> -X install</a:t>
             </a:r>
-            <a:endParaRPr lang="en-US" dirty="0"/>
           </a:p>
         </p:txBody>
       </p:sp>
@@ -7875,13 +7599,6 @@
   <p:clrMapOvr>
     <a:masterClrMapping/>
   </p:clrMapOvr>
-  <p:timing>
-    <p:tnLst>
-      <p:par>
-        <p:cTn id="1" dur="indefinite" restart="never" nodeType="tmRoot"/>
-      </p:par>
-    </p:tnLst>
-  </p:timing>
 </p:sld>
 </file>
 
@@ -7924,32 +7641,32 @@
           <a:lstStyle/>
           <a:p>
             <a:r>
-              <a:rPr lang="en-US" dirty="0" smtClean="0"/>
+              <a:rPr lang="en-US" dirty="0"/>
               <a:t>Consider a scenario where we do not want to run the tests while packaging or installing the Java project. In this case, we use -</a:t>
             </a:r>
             <a:r>
-              <a:rPr lang="en-US" dirty="0" err="1" smtClean="0"/>
+              <a:rPr lang="en-US" dirty="0" err="1"/>
               <a:t>DskipTests</a:t>
             </a:r>
             <a:r>
-              <a:rPr lang="en-US" dirty="0" smtClean="0"/>
+              <a:rPr lang="en-US" dirty="0"/>
               <a:t> along with the actual command. If we need to run the install step by skipping the tests associated with the project, the command would be:</a:t>
             </a:r>
           </a:p>
           <a:p>
-            <a:endParaRPr lang="en-US" dirty="0" smtClean="0"/>
-          </a:p>
-          <a:p>
-            <a:r>
-              <a:rPr lang="en-US" dirty="0" err="1" smtClean="0"/>
+            <a:endParaRPr lang="en-US" dirty="0"/>
+          </a:p>
+          <a:p>
+            <a:r>
+              <a:rPr lang="en-US" dirty="0" err="1"/>
               <a:t>mvn</a:t>
             </a:r>
             <a:r>
-              <a:rPr lang="en-US" dirty="0" smtClean="0"/>
+              <a:rPr lang="en-US" dirty="0"/>
               <a:t> install -</a:t>
             </a:r>
             <a:r>
-              <a:rPr lang="en-US" dirty="0" err="1" smtClean="0"/>
+              <a:rPr lang="en-US" dirty="0" err="1"/>
               <a:t>DskipTests</a:t>
             </a:r>
             <a:endParaRPr lang="en-US" dirty="0"/>
@@ -7966,13 +7683,6 @@
   <p:clrMapOvr>
     <a:masterClrMapping/>
   </p:clrMapOvr>
-  <p:timing>
-    <p:tnLst>
-      <p:par>
-        <p:cTn id="1" dur="indefinite" restart="never" nodeType="tmRoot"/>
-      </p:par>
-    </p:tnLst>
-  </p:timing>
 </p:sld>
 </file>
 
@@ -8016,7 +7726,7 @@
           <a:p>
             <a:pPr algn="just"/>
             <a:r>
-              <a:rPr lang="en-US" b="0" i="0" dirty="0" smtClean="0">
+              <a:rPr lang="en-US" b="0" i="0" dirty="0">
                 <a:solidFill>
                   <a:srgbClr val="610B38"/>
                 </a:solidFill>
@@ -8029,7 +7739,7 @@
           <a:p>
             <a:pPr algn="just"/>
             <a:r>
-              <a:rPr lang="en-US" b="1" i="0" dirty="0" smtClean="0">
+              <a:rPr lang="en-US" b="1" i="0" dirty="0">
                 <a:solidFill>
                   <a:srgbClr val="333333"/>
                 </a:solidFill>
@@ -8039,7 +7749,7 @@
               <a:t>POM</a:t>
             </a:r>
             <a:r>
-              <a:rPr lang="en-US" b="0" i="0" dirty="0" smtClean="0">
+              <a:rPr lang="en-US" b="0" i="0" dirty="0">
                 <a:solidFill>
                   <a:srgbClr val="333333"/>
                 </a:solidFill>
@@ -8049,7 +7759,7 @@
               <a:t> is an acronym for </a:t>
             </a:r>
             <a:r>
-              <a:rPr lang="en-US" b="1" i="0" dirty="0" smtClean="0">
+              <a:rPr lang="en-US" b="1" i="0" dirty="0">
                 <a:solidFill>
                   <a:srgbClr val="333333"/>
                 </a:solidFill>
@@ -8059,7 +7769,7 @@
               <a:t>Project Object Model</a:t>
             </a:r>
             <a:r>
-              <a:rPr lang="en-US" b="0" i="0" dirty="0" smtClean="0">
+              <a:rPr lang="en-US" b="0" i="0" dirty="0">
                 <a:solidFill>
                   <a:srgbClr val="333333"/>
                 </a:solidFill>
@@ -8072,7 +7782,7 @@
           <a:p>
             <a:pPr algn="just"/>
             <a:r>
-              <a:rPr lang="en-US" b="0" i="0" dirty="0" smtClean="0">
+              <a:rPr lang="en-US" b="0" i="0" dirty="0">
                 <a:solidFill>
                   <a:srgbClr val="333333"/>
                 </a:solidFill>
@@ -8085,7 +7795,7 @@
           <a:p>
             <a:pPr algn="just"/>
             <a:r>
-              <a:rPr lang="en-US" b="0" i="0" dirty="0" smtClean="0">
+              <a:rPr lang="en-US" b="0" i="0" dirty="0">
                 <a:solidFill>
                   <a:srgbClr val="333333"/>
                 </a:solidFill>
@@ -8094,13 +7804,6 @@
               </a:rPr>
               <a:t>Before maven 2, it was named as project.xml file. But, since maven 2 (also in maven 3), it is renamed as pom.xml.</a:t>
             </a:r>
-            <a:endParaRPr lang="en-US" b="0" i="0" dirty="0">
-              <a:solidFill>
-                <a:srgbClr val="333333"/>
-              </a:solidFill>
-              <a:effectLst/>
-              <a:latin typeface="inter-regular"/>
-            </a:endParaRPr>
           </a:p>
         </p:txBody>
       </p:sp>
@@ -8114,13 +7817,6 @@
   <p:clrMapOvr>
     <a:masterClrMapping/>
   </p:clrMapOvr>
-  <p:timing>
-    <p:tnLst>
-      <p:par>
-        <p:cTn id="1" dur="indefinite" restart="never" nodeType="tmRoot"/>
-      </p:par>
-    </p:tnLst>
-  </p:timing>
 </p:sld>
 </file>
 
@@ -8164,8 +7860,20 @@
             <a:tbl>
               <a:tblPr/>
               <a:tblGrid>
-                <a:gridCol w="4514249"/>
-                <a:gridCol w="4514249"/>
+                <a:gridCol w="4514249">
+                  <a:extLst>
+                    <a:ext uri="{9D8B030D-6E8A-4147-A177-3AD203B41FA5}">
+                      <a16:colId xmlns:a16="http://schemas.microsoft.com/office/drawing/2014/main" val="20000"/>
+                    </a:ext>
+                  </a:extLst>
+                </a:gridCol>
+                <a:gridCol w="4514249">
+                  <a:extLst>
+                    <a:ext uri="{9D8B030D-6E8A-4147-A177-3AD203B41FA5}">
+                      <a16:colId xmlns:a16="http://schemas.microsoft.com/office/drawing/2014/main" val="20001"/>
+                    </a:ext>
+                  </a:extLst>
+                </a:gridCol>
               </a:tblGrid>
               <a:tr h="238390">
                 <a:tc>
@@ -8288,6 +7996,11 @@
                     </a:solidFill>
                   </a:tcPr>
                 </a:tc>
+                <a:extLst>
+                  <a:ext uri="{0D108BD9-81ED-4DB2-BD59-A6C34878D82A}">
+                    <a16:rowId xmlns:a16="http://schemas.microsoft.com/office/drawing/2014/main" val="10000"/>
+                  </a:ext>
+                </a:extLst>
               </a:tr>
               <a:tr h="363260">
                 <a:tc>
@@ -8417,6 +8130,11 @@
                     </a:solidFill>
                   </a:tcPr>
                 </a:tc>
+                <a:extLst>
+                  <a:ext uri="{0D108BD9-81ED-4DB2-BD59-A6C34878D82A}">
+                    <a16:rowId xmlns:a16="http://schemas.microsoft.com/office/drawing/2014/main" val="10001"/>
+                  </a:ext>
+                </a:extLst>
               </a:tr>
               <a:tr h="976261">
                 <a:tc>
@@ -8546,6 +8264,11 @@
                     </a:solidFill>
                   </a:tcPr>
                 </a:tc>
+                <a:extLst>
+                  <a:ext uri="{0D108BD9-81ED-4DB2-BD59-A6C34878D82A}">
+                    <a16:rowId xmlns:a16="http://schemas.microsoft.com/office/drawing/2014/main" val="10002"/>
+                  </a:ext>
+                </a:extLst>
               </a:tr>
               <a:tr h="669760">
                 <a:tc>
@@ -8675,6 +8398,11 @@
                     </a:solidFill>
                   </a:tcPr>
                 </a:tc>
+                <a:extLst>
+                  <a:ext uri="{0D108BD9-81ED-4DB2-BD59-A6C34878D82A}">
+                    <a16:rowId xmlns:a16="http://schemas.microsoft.com/office/drawing/2014/main" val="10003"/>
+                  </a:ext>
+                </a:extLst>
               </a:tr>
               <a:tr h="2355513">
                 <a:tc>
@@ -8804,6 +8532,11 @@
                     </a:solidFill>
                   </a:tcPr>
                 </a:tc>
+                <a:extLst>
+                  <a:ext uri="{0D108BD9-81ED-4DB2-BD59-A6C34878D82A}">
+                    <a16:rowId xmlns:a16="http://schemas.microsoft.com/office/drawing/2014/main" val="10004"/>
+                  </a:ext>
+                </a:extLst>
               </a:tr>
               <a:tr h="823010">
                 <a:tc>
@@ -8933,6 +8666,11 @@
                     </a:solidFill>
                   </a:tcPr>
                 </a:tc>
+                <a:extLst>
+                  <a:ext uri="{0D108BD9-81ED-4DB2-BD59-A6C34878D82A}">
+                    <a16:rowId xmlns:a16="http://schemas.microsoft.com/office/drawing/2014/main" val="10005"/>
+                  </a:ext>
+                </a:extLst>
               </a:tr>
             </a:tbl>
           </a:graphicData>
@@ -8948,13 +8686,6 @@
   <p:clrMapOvr>
     <a:masterClrMapping/>
   </p:clrMapOvr>
-  <p:timing>
-    <p:tnLst>
-      <p:par>
-        <p:cTn id="1" dur="indefinite" restart="never" nodeType="tmRoot"/>
-      </p:par>
-    </p:tnLst>
-  </p:timing>
 </p:sld>
 </file>
 
@@ -8998,8 +8729,20 @@
             <a:tbl>
               <a:tblPr/>
               <a:tblGrid>
-                <a:gridCol w="4248978"/>
-                <a:gridCol w="4248978"/>
+                <a:gridCol w="4248978">
+                  <a:extLst>
+                    <a:ext uri="{9D8B030D-6E8A-4147-A177-3AD203B41FA5}">
+                      <a16:colId xmlns:a16="http://schemas.microsoft.com/office/drawing/2014/main" val="20000"/>
+                    </a:ext>
+                  </a:extLst>
+                </a:gridCol>
+                <a:gridCol w="4248978">
+                  <a:extLst>
+                    <a:ext uri="{9D8B030D-6E8A-4147-A177-3AD203B41FA5}">
+                      <a16:colId xmlns:a16="http://schemas.microsoft.com/office/drawing/2014/main" val="20001"/>
+                    </a:ext>
+                  </a:extLst>
+                </a:gridCol>
               </a:tblGrid>
               <a:tr h="356780">
                 <a:tc>
@@ -9122,6 +8865,11 @@
                     </a:solidFill>
                   </a:tcPr>
                 </a:tc>
+                <a:extLst>
+                  <a:ext uri="{0D108BD9-81ED-4DB2-BD59-A6C34878D82A}">
+                    <a16:rowId xmlns:a16="http://schemas.microsoft.com/office/drawing/2014/main" val="10000"/>
+                  </a:ext>
+                </a:extLst>
               </a:tr>
               <a:tr h="755022">
                 <a:tc>
@@ -9251,6 +8999,11 @@
                     </a:solidFill>
                   </a:tcPr>
                 </a:tc>
+                <a:extLst>
+                  <a:ext uri="{0D108BD9-81ED-4DB2-BD59-A6C34878D82A}">
+                    <a16:rowId xmlns:a16="http://schemas.microsoft.com/office/drawing/2014/main" val="10001"/>
+                  </a:ext>
+                </a:extLst>
               </a:tr>
               <a:tr h="531004">
                 <a:tc>
@@ -9380,6 +9133,11 @@
                     </a:solidFill>
                   </a:tcPr>
                 </a:tc>
+                <a:extLst>
+                  <a:ext uri="{0D108BD9-81ED-4DB2-BD59-A6C34878D82A}">
+                    <a16:rowId xmlns:a16="http://schemas.microsoft.com/office/drawing/2014/main" val="10002"/>
+                  </a:ext>
+                </a:extLst>
               </a:tr>
               <a:tr h="531004">
                 <a:tc>
@@ -9509,6 +9267,11 @@
                     </a:solidFill>
                   </a:tcPr>
                 </a:tc>
+                <a:extLst>
+                  <a:ext uri="{0D108BD9-81ED-4DB2-BD59-A6C34878D82A}">
+                    <a16:rowId xmlns:a16="http://schemas.microsoft.com/office/drawing/2014/main" val="10003"/>
+                  </a:ext>
+                </a:extLst>
               </a:tr>
               <a:tr h="755022">
                 <a:tc>
@@ -9638,6 +9401,11 @@
                     </a:solidFill>
                   </a:tcPr>
                 </a:tc>
+                <a:extLst>
+                  <a:ext uri="{0D108BD9-81ED-4DB2-BD59-A6C34878D82A}">
+                    <a16:rowId xmlns:a16="http://schemas.microsoft.com/office/drawing/2014/main" val="10004"/>
+                  </a:ext>
+                </a:extLst>
               </a:tr>
               <a:tr h="979038">
                 <a:tc>
@@ -9767,6 +9535,11 @@
                     </a:solidFill>
                   </a:tcPr>
                 </a:tc>
+                <a:extLst>
+                  <a:ext uri="{0D108BD9-81ED-4DB2-BD59-A6C34878D82A}">
+                    <a16:rowId xmlns:a16="http://schemas.microsoft.com/office/drawing/2014/main" val="10005"/>
+                  </a:ext>
+                </a:extLst>
               </a:tr>
               <a:tr h="1203055">
                 <a:tc>
@@ -9896,6 +9669,11 @@
                     </a:solidFill>
                   </a:tcPr>
                 </a:tc>
+                <a:extLst>
+                  <a:ext uri="{0D108BD9-81ED-4DB2-BD59-A6C34878D82A}">
+                    <a16:rowId xmlns:a16="http://schemas.microsoft.com/office/drawing/2014/main" val="10006"/>
+                  </a:ext>
+                </a:extLst>
               </a:tr>
             </a:tbl>
           </a:graphicData>
@@ -9911,8 +9689,8 @@
         </p:nvSpPr>
         <p:spPr bwMode="auto">
           <a:xfrm>
-            <a:off x="-3929095" y="1805181"/>
-            <a:ext cx="33816828" cy="553998"/>
+            <a:off x="80197" y="448654"/>
+            <a:ext cx="12111803" cy="553998"/>
           </a:xfrm>
           <a:prstGeom prst="rect">
             <a:avLst/>
@@ -10099,7 +9877,7 @@
               <a:tabLst/>
             </a:pPr>
             <a:r>
-              <a:rPr kumimoji="0" lang="en-US" altLang="en-US" sz="1800" b="0" i="0" u="none" strike="noStrike" cap="none" normalizeH="0" baseline="0" smtClean="0">
+              <a:rPr kumimoji="0" lang="en-US" altLang="en-US" sz="1800" b="0" i="0" u="none" strike="noStrike" cap="none" normalizeH="0" baseline="0" dirty="0">
                 <a:ln>
                   <a:noFill/>
                 </a:ln>
@@ -10130,7 +9908,7 @@
               <a:tabLst/>
             </a:pPr>
             <a:r>
-              <a:rPr kumimoji="0" lang="en-US" altLang="en-US" sz="1200" b="0" i="0" u="none" strike="noStrike" cap="none" normalizeH="0" baseline="0" smtClean="0">
+              <a:rPr kumimoji="0" lang="en-US" altLang="en-US" sz="1200" b="0" i="0" u="none" strike="noStrike" cap="none" normalizeH="0" baseline="0" dirty="0">
                 <a:ln>
                   <a:noFill/>
                 </a:ln>
@@ -10142,7 +9920,7 @@
               </a:rPr>
               <a:t>Here, we are going to add other elements in pom.xml file such as:</a:t>
             </a:r>
-            <a:endParaRPr kumimoji="0" lang="en-US" altLang="en-US" sz="1800" b="0" i="0" u="none" strike="noStrike" cap="none" normalizeH="0" baseline="0" smtClean="0">
+            <a:endParaRPr kumimoji="0" lang="en-US" altLang="en-US" sz="1800" b="0" i="0" u="none" strike="noStrike" cap="none" normalizeH="0" baseline="0" dirty="0">
               <a:ln>
                 <a:noFill/>
               </a:ln>
@@ -10165,13 +9943,6 @@
   <p:clrMapOvr>
     <a:masterClrMapping/>
   </p:clrMapOvr>
-  <p:timing>
-    <p:tnLst>
-      <p:par>
-        <p:cTn id="1" dur="indefinite" restart="never" nodeType="tmRoot"/>
-      </p:par>
-    </p:tnLst>
-  </p:timing>
 </p:sld>
 </file>
 
@@ -10243,13 +10014,6 @@
   <p:clrMapOvr>
     <a:masterClrMapping/>
   </p:clrMapOvr>
-  <p:timing>
-    <p:tnLst>
-      <p:par>
-        <p:cTn id="1" dur="indefinite" restart="never" nodeType="tmRoot"/>
-      </p:par>
-    </p:tnLst>
-  </p:timing>
 </p:sld>
 </file>
 
@@ -10293,7 +10057,7 @@
           <a:p>
             <a:pPr fontAlgn="base"/>
             <a:r>
-              <a:rPr lang="en-US" b="1" i="0" dirty="0" smtClean="0">
+              <a:rPr lang="en-US" b="1" i="0" dirty="0">
                 <a:solidFill>
                   <a:srgbClr val="273239"/>
                 </a:solidFill>
@@ -10306,7 +10070,7 @@
           <a:p>
             <a:pPr algn="just" fontAlgn="base"/>
             <a:r>
-              <a:rPr lang="en-US" b="0" i="0" dirty="0" smtClean="0">
+              <a:rPr lang="en-US" b="0" i="0" dirty="0">
                 <a:solidFill>
                   <a:srgbClr val="273239"/>
                 </a:solidFill>
@@ -10316,7 +10080,7 @@
               <a:t>Maven repository is a place where the maven artefacts or dependencies of the JAR file is going to store which are written in the file called the POM.XML. POM.XML contains the Java classes, resources, and other </a:t>
             </a:r>
             <a:r>
-              <a:rPr lang="en-US" b="0" i="0" dirty="0" err="1" smtClean="0">
+              <a:rPr lang="en-US" b="0" i="0" dirty="0" err="1">
                 <a:solidFill>
                   <a:srgbClr val="273239"/>
                 </a:solidFill>
@@ -10326,7 +10090,7 @@
               <a:t>dependencies.There</a:t>
             </a:r>
             <a:r>
-              <a:rPr lang="en-US" b="0" i="0" dirty="0" smtClean="0">
+              <a:rPr lang="en-US" b="0" i="0" dirty="0">
                 <a:solidFill>
                   <a:srgbClr val="273239"/>
                 </a:solidFill>
@@ -10337,12 +10101,8 @@
             </a:r>
           </a:p>
           <a:p>
-            <a:r>
-              <a:rPr lang="en-US" dirty="0" smtClean="0"/>
-              <a:t/>
-            </a:r>
             <a:br>
-              <a:rPr lang="en-US" dirty="0" smtClean="0"/>
+              <a:rPr lang="en-US" dirty="0"/>
             </a:br>
             <a:endParaRPr lang="en-US" dirty="0"/>
           </a:p>
@@ -10358,13 +10118,6 @@
   <p:clrMapOvr>
     <a:masterClrMapping/>
   </p:clrMapOvr>
-  <p:timing>
-    <p:tnLst>
-      <p:par>
-        <p:cTn id="1" dur="indefinite" restart="never" nodeType="tmRoot"/>
-      </p:par>
-    </p:tnLst>
-  </p:timing>
 </p:sld>
 </file>
 
@@ -10436,13 +10189,6 @@
   <p:clrMapOvr>
     <a:masterClrMapping/>
   </p:clrMapOvr>
-  <p:timing>
-    <p:tnLst>
-      <p:par>
-        <p:cTn id="1" dur="indefinite" restart="never" nodeType="tmRoot"/>
-      </p:par>
-    </p:tnLst>
-  </p:timing>
 </p:sld>
 </file>
 
@@ -10514,13 +10260,6 @@
   <p:clrMapOvr>
     <a:masterClrMapping/>
   </p:clrMapOvr>
-  <p:timing>
-    <p:tnLst>
-      <p:par>
-        <p:cTn id="1" dur="indefinite" restart="never" nodeType="tmRoot"/>
-      </p:par>
-    </p:tnLst>
-  </p:timing>
 </p:sld>
 </file>
 
@@ -10564,7 +10303,7 @@
           <a:p>
             <a:pPr fontAlgn="base"/>
             <a:r>
-              <a:rPr lang="en-US" b="0" i="0" dirty="0" smtClean="0">
+              <a:rPr lang="en-US" b="0" i="0" dirty="0">
                 <a:solidFill>
                   <a:srgbClr val="273239"/>
                 </a:solidFill>
@@ -10580,7 +10319,7 @@
               <a:buAutoNum type="arabicPeriod"/>
             </a:pPr>
             <a:r>
-              <a:rPr lang="en-US" b="0" i="0" dirty="0" smtClean="0">
+              <a:rPr lang="en-US" b="0" i="0" dirty="0">
                 <a:solidFill>
                   <a:srgbClr val="273239"/>
                 </a:solidFill>
@@ -10596,7 +10335,7 @@
               <a:buAutoNum type="arabicPeriod" startAt="2"/>
             </a:pPr>
             <a:r>
-              <a:rPr lang="en-US" b="0" i="0" dirty="0" smtClean="0">
+              <a:rPr lang="en-US" b="0" i="0" dirty="0">
                 <a:solidFill>
                   <a:srgbClr val="273239"/>
                 </a:solidFill>
@@ -10612,7 +10351,7 @@
               <a:buAutoNum type="arabicPeriod" startAt="3"/>
             </a:pPr>
             <a:r>
-              <a:rPr lang="en-US" b="0" i="0" dirty="0" smtClean="0">
+              <a:rPr lang="en-US" b="0" i="0" dirty="0">
                 <a:solidFill>
                   <a:srgbClr val="273239"/>
                 </a:solidFill>
@@ -10628,7 +10367,7 @@
               <a:buAutoNum type="arabicPeriod" startAt="4"/>
             </a:pPr>
             <a:r>
-              <a:rPr lang="en-US" b="0" i="0" dirty="0" smtClean="0">
+              <a:rPr lang="en-US" b="0" i="0" dirty="0">
                 <a:solidFill>
                   <a:srgbClr val="273239"/>
                 </a:solidFill>
@@ -10644,7 +10383,7 @@
               <a:buAutoNum type="arabicPeriod" startAt="5"/>
             </a:pPr>
             <a:r>
-              <a:rPr lang="en-US" b="0" i="0" dirty="0" smtClean="0">
+              <a:rPr lang="en-US" b="0" i="0" dirty="0">
                 <a:solidFill>
                   <a:srgbClr val="273239"/>
                 </a:solidFill>
@@ -10654,7 +10393,7 @@
               <a:t>With the help of Maven, we can build any number of projects into output types like the JAR, WAR, </a:t>
             </a:r>
             <a:r>
-              <a:rPr lang="en-US" b="0" i="0" dirty="0" err="1" smtClean="0">
+              <a:rPr lang="en-US" b="0" i="0" dirty="0" err="1">
                 <a:solidFill>
                   <a:srgbClr val="273239"/>
                 </a:solidFill>
@@ -10664,7 +10403,7 @@
               <a:t>etc</a:t>
             </a:r>
             <a:r>
-              <a:rPr lang="en-US" b="0" i="0" dirty="0" smtClean="0">
+              <a:rPr lang="en-US" b="0" i="0" dirty="0">
                 <a:solidFill>
                   <a:srgbClr val="273239"/>
                 </a:solidFill>
@@ -10680,7 +10419,7 @@
               <a:buAutoNum type="arabicPeriod" startAt="6"/>
             </a:pPr>
             <a:r>
-              <a:rPr lang="en-US" b="0" i="0" dirty="0" smtClean="0">
+              <a:rPr lang="en-US" b="0" i="0" dirty="0">
                 <a:solidFill>
                   <a:srgbClr val="273239"/>
                 </a:solidFill>
@@ -10690,7 +10429,7 @@
               <a:t>Using maven we can easily integrate our project with a source control systems (such as Subversion or </a:t>
             </a:r>
             <a:r>
-              <a:rPr lang="en-US" b="0" i="0" dirty="0" err="1" smtClean="0">
+              <a:rPr lang="en-US" b="0" i="0" dirty="0" err="1">
                 <a:solidFill>
                   <a:srgbClr val="273239"/>
                 </a:solidFill>
@@ -10700,7 +10439,7 @@
               <a:t>Git</a:t>
             </a:r>
             <a:r>
-              <a:rPr lang="en-US" b="0" i="0" dirty="0" smtClean="0">
+              <a:rPr lang="en-US" b="0" i="0" dirty="0">
                 <a:solidFill>
                   <a:srgbClr val="273239"/>
                 </a:solidFill>
@@ -10716,7 +10455,7 @@
               <a:buAutoNum type="arabicPeriod" startAt="7"/>
             </a:pPr>
             <a:r>
-              <a:rPr lang="en-US" b="0" i="0" dirty="0" smtClean="0">
+              <a:rPr lang="en-US" b="0" i="0" dirty="0">
                 <a:solidFill>
                   <a:srgbClr val="273239"/>
                 </a:solidFill>
@@ -10732,7 +10471,7 @@
               <a:buAutoNum type="arabicPeriod" startAt="8"/>
             </a:pPr>
             <a:r>
-              <a:rPr lang="en-US" b="0" i="0" dirty="0" smtClean="0">
+              <a:rPr lang="en-US" b="0" i="0" dirty="0">
                 <a:solidFill>
                   <a:srgbClr val="273239"/>
                 </a:solidFill>
@@ -10748,7 +10487,7 @@
               <a:buAutoNum type="arabicPeriod" startAt="9"/>
             </a:pPr>
             <a:r>
-              <a:rPr lang="en-US" b="0" i="0" dirty="0" smtClean="0">
+              <a:rPr lang="en-US" b="0" i="0" dirty="0">
                 <a:solidFill>
                   <a:srgbClr val="273239"/>
                 </a:solidFill>
@@ -10764,7 +10503,7 @@
               <a:buAutoNum type="arabicPeriod" startAt="10"/>
             </a:pPr>
             <a:r>
-              <a:rPr lang="en-US" b="0" i="0" dirty="0" smtClean="0">
+              <a:rPr lang="en-US" b="0" i="0" dirty="0">
                 <a:solidFill>
                   <a:srgbClr val="273239"/>
                 </a:solidFill>
@@ -10780,7 +10519,7 @@
               <a:buAutoNum type="arabicPeriod" startAt="11"/>
             </a:pPr>
             <a:r>
-              <a:rPr lang="en-US" b="0" i="0" dirty="0" smtClean="0">
+              <a:rPr lang="en-US" b="0" i="0" dirty="0">
                 <a:solidFill>
                   <a:srgbClr val="273239"/>
                 </a:solidFill>
@@ -10796,7 +10535,7 @@
               <a:buAutoNum type="arabicPeriod" startAt="12"/>
             </a:pPr>
             <a:r>
-              <a:rPr lang="en-US" b="0" i="0" dirty="0" smtClean="0">
+              <a:rPr lang="en-US" b="0" i="0" dirty="0">
                 <a:solidFill>
                   <a:srgbClr val="273239"/>
                 </a:solidFill>
@@ -10805,13 +10544,6 @@
               </a:rPr>
               <a:t>Maven simplifies the process of managing project dependencies, ensuring that the correct versions of libraries and frameworks are used throughout the project.</a:t>
             </a:r>
-            <a:endParaRPr lang="en-US" b="0" i="0" dirty="0">
-              <a:solidFill>
-                <a:srgbClr val="273239"/>
-              </a:solidFill>
-              <a:effectLst/>
-              <a:latin typeface="Nunito"/>
-            </a:endParaRPr>
           </a:p>
         </p:txBody>
       </p:sp>
@@ -10825,13 +10557,6 @@
   <p:clrMapOvr>
     <a:masterClrMapping/>
   </p:clrMapOvr>
-  <p:timing>
-    <p:tnLst>
-      <p:par>
-        <p:cTn id="1" dur="indefinite" restart="never" nodeType="tmRoot"/>
-      </p:par>
-    </p:tnLst>
-  </p:timing>
 </p:sld>
 </file>
 
@@ -10875,7 +10600,7 @@
           <a:p>
             <a:pPr fontAlgn="base"/>
             <a:r>
-              <a:rPr lang="en-US" b="1" i="0" dirty="0" smtClean="0">
+              <a:rPr lang="en-US" b="1" i="0" dirty="0">
                 <a:solidFill>
                   <a:srgbClr val="273239"/>
                 </a:solidFill>
@@ -10888,7 +10613,7 @@
           <a:p>
             <a:pPr algn="just" fontAlgn="base"/>
             <a:r>
-              <a:rPr lang="en-US" b="0" i="0" dirty="0" smtClean="0">
+              <a:rPr lang="en-US" b="0" i="0" dirty="0">
                 <a:solidFill>
                   <a:srgbClr val="273239"/>
                 </a:solidFill>
@@ -10898,7 +10623,7 @@
               <a:t>POM means Project Object Model is key to operate Maven. Maven reads pom.xml file to accomplish its configuration and operations. It is an XML file that contains information related to the project and configuration information such as </a:t>
             </a:r>
             <a:r>
-              <a:rPr lang="en-US" b="1" i="0" dirty="0" smtClean="0">
+              <a:rPr lang="en-US" b="1" i="0" dirty="0">
                 <a:solidFill>
                   <a:srgbClr val="273239"/>
                 </a:solidFill>
@@ -10908,7 +10633,7 @@
               <a:t>dependencies</a:t>
             </a:r>
             <a:r>
-              <a:rPr lang="en-US" b="0" i="0" dirty="0" smtClean="0">
+              <a:rPr lang="en-US" b="0" i="0" dirty="0">
                 <a:solidFill>
                   <a:srgbClr val="273239"/>
                 </a:solidFill>
@@ -10918,7 +10643,7 @@
               <a:t>, </a:t>
             </a:r>
             <a:r>
-              <a:rPr lang="en-US" b="1" i="0" dirty="0" smtClean="0">
+              <a:rPr lang="en-US" b="1" i="0" dirty="0">
                 <a:solidFill>
                   <a:srgbClr val="273239"/>
                 </a:solidFill>
@@ -10928,7 +10653,7 @@
               <a:t>source directory</a:t>
             </a:r>
             <a:r>
-              <a:rPr lang="en-US" b="0" i="0" dirty="0" smtClean="0">
+              <a:rPr lang="en-US" b="0" i="0" dirty="0">
                 <a:solidFill>
                   <a:srgbClr val="273239"/>
                 </a:solidFill>
@@ -10938,7 +10663,7 @@
               <a:t>, </a:t>
             </a:r>
             <a:r>
-              <a:rPr lang="en-US" b="1" i="0" dirty="0" smtClean="0">
+              <a:rPr lang="en-US" b="1" i="0" dirty="0">
                 <a:solidFill>
                   <a:srgbClr val="273239"/>
                 </a:solidFill>
@@ -10948,7 +10673,7 @@
               <a:t>plugin</a:t>
             </a:r>
             <a:r>
-              <a:rPr lang="en-US" b="0" i="0" dirty="0" smtClean="0">
+              <a:rPr lang="en-US" b="0" i="0" dirty="0">
                 <a:solidFill>
                   <a:srgbClr val="273239"/>
                 </a:solidFill>
@@ -10958,7 +10683,7 @@
               <a:t>, </a:t>
             </a:r>
             <a:r>
-              <a:rPr lang="en-US" b="1" i="0" dirty="0" smtClean="0">
+              <a:rPr lang="en-US" b="1" i="0" dirty="0">
                 <a:solidFill>
                   <a:srgbClr val="273239"/>
                 </a:solidFill>
@@ -10968,7 +10693,7 @@
               <a:t>goals etc</a:t>
             </a:r>
             <a:r>
-              <a:rPr lang="en-US" b="0" i="0" dirty="0" smtClean="0">
+              <a:rPr lang="en-US" b="0" i="0" dirty="0">
                 <a:solidFill>
                   <a:srgbClr val="273239"/>
                 </a:solidFill>
@@ -10977,13 +10702,6 @@
               </a:rPr>
               <a:t>. used by Maven to build the project</a:t>
             </a:r>
-            <a:endParaRPr lang="en-US" b="0" i="0" dirty="0">
-              <a:solidFill>
-                <a:srgbClr val="273239"/>
-              </a:solidFill>
-              <a:effectLst/>
-              <a:latin typeface="Nunito"/>
-            </a:endParaRPr>
           </a:p>
         </p:txBody>
       </p:sp>
@@ -10997,13 +10715,6 @@
   <p:clrMapOvr>
     <a:masterClrMapping/>
   </p:clrMapOvr>
-  <p:timing>
-    <p:tnLst>
-      <p:par>
-        <p:cTn id="1" dur="indefinite" restart="never" nodeType="tmRoot"/>
-      </p:par>
-    </p:tnLst>
-  </p:timing>
 </p:sld>
 </file>
 
@@ -11047,7 +10758,7 @@
           <a:p>
             <a:pPr fontAlgn="base"/>
             <a:r>
-              <a:rPr lang="en-US" b="0" i="0" dirty="0" smtClean="0">
+              <a:rPr lang="en-US" b="0" i="0" dirty="0">
                 <a:solidFill>
                   <a:srgbClr val="273239"/>
                 </a:solidFill>
@@ -11063,7 +10774,7 @@
               <a:buAutoNum type="arabicPeriod"/>
             </a:pPr>
             <a:r>
-              <a:rPr lang="en-US" b="1" i="0" dirty="0" smtClean="0">
+              <a:rPr lang="en-US" b="1" i="0" dirty="0">
                 <a:solidFill>
                   <a:srgbClr val="273239"/>
                 </a:solidFill>
@@ -11073,7 +10784,7 @@
               <a:t>project- </a:t>
             </a:r>
             <a:r>
-              <a:rPr lang="en-US" b="0" i="0" dirty="0" smtClean="0">
+              <a:rPr lang="en-US" b="0" i="0" dirty="0">
                 <a:solidFill>
                   <a:srgbClr val="273239"/>
                 </a:solidFill>
@@ -11089,7 +10800,7 @@
               <a:buAutoNum type="arabicPeriod" startAt="2"/>
             </a:pPr>
             <a:r>
-              <a:rPr lang="en-US" b="1" i="0" dirty="0" err="1" smtClean="0">
+              <a:rPr lang="en-US" b="1" i="0" dirty="0" err="1">
                 <a:solidFill>
                   <a:srgbClr val="273239"/>
                 </a:solidFill>
@@ -11099,7 +10810,7 @@
               <a:t>modelVersion</a:t>
             </a:r>
             <a:r>
-              <a:rPr lang="en-US" b="1" i="0" dirty="0" smtClean="0">
+              <a:rPr lang="en-US" b="1" i="0" dirty="0">
                 <a:solidFill>
                   <a:srgbClr val="273239"/>
                 </a:solidFill>
@@ -11109,7 +10820,7 @@
               <a:t>- </a:t>
             </a:r>
             <a:r>
-              <a:rPr lang="en-US" b="0" i="0" dirty="0" err="1" smtClean="0">
+              <a:rPr lang="en-US" b="0" i="0" dirty="0" err="1">
                 <a:solidFill>
                   <a:srgbClr val="273239"/>
                 </a:solidFill>
@@ -11119,7 +10830,7 @@
               <a:t>modelversion</a:t>
             </a:r>
             <a:r>
-              <a:rPr lang="en-US" b="0" i="0" dirty="0" smtClean="0">
+              <a:rPr lang="en-US" b="0" i="0" dirty="0">
                 <a:solidFill>
                   <a:srgbClr val="273239"/>
                 </a:solidFill>
@@ -11135,7 +10846,7 @@
               <a:buAutoNum type="arabicPeriod" startAt="3"/>
             </a:pPr>
             <a:r>
-              <a:rPr lang="en-US" b="1" i="0" dirty="0" err="1" smtClean="0">
+              <a:rPr lang="en-US" b="1" i="0" dirty="0" err="1">
                 <a:solidFill>
                   <a:srgbClr val="273239"/>
                 </a:solidFill>
@@ -11145,7 +10856,7 @@
               <a:t>groupId</a:t>
             </a:r>
             <a:r>
-              <a:rPr lang="en-US" b="1" i="0" dirty="0" smtClean="0">
+              <a:rPr lang="en-US" b="1" i="0" dirty="0">
                 <a:solidFill>
                   <a:srgbClr val="273239"/>
                 </a:solidFill>
@@ -11155,7 +10866,7 @@
               <a:t>- </a:t>
             </a:r>
             <a:r>
-              <a:rPr lang="en-US" b="0" i="0" dirty="0" err="1" smtClean="0">
+              <a:rPr lang="en-US" b="0" i="0" dirty="0" err="1">
                 <a:solidFill>
                   <a:srgbClr val="273239"/>
                 </a:solidFill>
@@ -11165,7 +10876,7 @@
               <a:t>groupId</a:t>
             </a:r>
             <a:r>
-              <a:rPr lang="en-US" b="0" i="0" dirty="0" smtClean="0">
+              <a:rPr lang="en-US" b="0" i="0" dirty="0">
                 <a:solidFill>
                   <a:srgbClr val="273239"/>
                 </a:solidFill>
@@ -11175,7 +10886,7 @@
               <a:t> means the id for the project group. It is unique and Most often you will use a group ID which is similar to the root Java package name of the project like we used the </a:t>
             </a:r>
             <a:r>
-              <a:rPr lang="en-US" b="0" i="0" dirty="0" err="1" smtClean="0">
+              <a:rPr lang="en-US" b="0" i="0" dirty="0" err="1">
                 <a:solidFill>
                   <a:srgbClr val="273239"/>
                 </a:solidFill>
@@ -11185,7 +10896,7 @@
               <a:t>groupId</a:t>
             </a:r>
             <a:r>
-              <a:rPr lang="en-US" b="0" i="0" dirty="0" smtClean="0">
+              <a:rPr lang="en-US" b="0" i="0" dirty="0">
                 <a:solidFill>
                   <a:srgbClr val="273239"/>
                 </a:solidFill>
@@ -11195,7 +10906,7 @@
               <a:t> </a:t>
             </a:r>
             <a:r>
-              <a:rPr lang="en-US" b="0" i="0" dirty="0" err="1" smtClean="0">
+              <a:rPr lang="en-US" b="0" i="0" dirty="0" err="1">
                 <a:solidFill>
                   <a:srgbClr val="273239"/>
                 </a:solidFill>
@@ -11205,7 +10916,7 @@
               <a:t>com.project.loggerapi</a:t>
             </a:r>
             <a:r>
-              <a:rPr lang="en-US" b="0" i="0" dirty="0" smtClean="0">
+              <a:rPr lang="en-US" b="0" i="0" dirty="0">
                 <a:solidFill>
                   <a:srgbClr val="273239"/>
                 </a:solidFill>
@@ -11221,7 +10932,7 @@
               <a:buAutoNum type="arabicPeriod" startAt="4"/>
             </a:pPr>
             <a:r>
-              <a:rPr lang="en-US" b="1" i="0" dirty="0" err="1" smtClean="0">
+              <a:rPr lang="en-US" b="1" i="0" dirty="0" err="1">
                 <a:solidFill>
                   <a:srgbClr val="273239"/>
                 </a:solidFill>
@@ -11231,7 +10942,7 @@
               <a:t>artifactId</a:t>
             </a:r>
             <a:r>
-              <a:rPr lang="en-US" b="1" i="0" dirty="0" smtClean="0">
+              <a:rPr lang="en-US" b="1" i="0" dirty="0">
                 <a:solidFill>
                   <a:srgbClr val="273239"/>
                 </a:solidFill>
@@ -11241,7 +10952,7 @@
               <a:t>- </a:t>
             </a:r>
             <a:r>
-              <a:rPr lang="en-US" b="0" i="0" dirty="0" err="1" smtClean="0">
+              <a:rPr lang="en-US" b="0" i="0" dirty="0" err="1">
                 <a:solidFill>
                   <a:srgbClr val="273239"/>
                 </a:solidFill>
@@ -11251,7 +10962,7 @@
               <a:t>artifactId</a:t>
             </a:r>
             <a:r>
-              <a:rPr lang="en-US" b="0" i="0" dirty="0" smtClean="0">
+              <a:rPr lang="en-US" b="0" i="0" dirty="0">
                 <a:solidFill>
                   <a:srgbClr val="273239"/>
                 </a:solidFill>
@@ -11261,7 +10972,7 @@
               <a:t> used to give name of the project you are building.in our example name of our project is </a:t>
             </a:r>
             <a:r>
-              <a:rPr lang="en-US" b="0" i="0" dirty="0" err="1" smtClean="0">
+              <a:rPr lang="en-US" b="0" i="0" dirty="0" err="1">
                 <a:solidFill>
                   <a:srgbClr val="273239"/>
                 </a:solidFill>
@@ -11271,7 +10982,7 @@
               <a:t>LoggerApi</a:t>
             </a:r>
             <a:r>
-              <a:rPr lang="en-US" b="0" i="0" dirty="0" smtClean="0">
+              <a:rPr lang="en-US" b="0" i="0" dirty="0">
                 <a:solidFill>
                   <a:srgbClr val="273239"/>
                 </a:solidFill>
@@ -11287,7 +10998,7 @@
               <a:buAutoNum type="arabicPeriod" startAt="5"/>
             </a:pPr>
             <a:r>
-              <a:rPr lang="en-US" b="1" i="0" dirty="0" smtClean="0">
+              <a:rPr lang="en-US" b="1" i="0" dirty="0">
                 <a:solidFill>
                   <a:srgbClr val="273239"/>
                 </a:solidFill>
@@ -11297,7 +11008,7 @@
               <a:t>version- </a:t>
             </a:r>
             <a:r>
-              <a:rPr lang="en-US" b="0" i="0" dirty="0" smtClean="0">
+              <a:rPr lang="en-US" b="0" i="0" dirty="0">
                 <a:solidFill>
                   <a:srgbClr val="273239"/>
                 </a:solidFill>
@@ -11306,13 +11017,6 @@
               </a:rPr>
               <a:t>version element contains the version number of the project. If your project has been released in different versions then it is useful to give version of your project.</a:t>
             </a:r>
-            <a:endParaRPr lang="en-US" b="0" i="0" dirty="0">
-              <a:solidFill>
-                <a:srgbClr val="273239"/>
-              </a:solidFill>
-              <a:effectLst/>
-              <a:latin typeface="Nunito"/>
-            </a:endParaRPr>
           </a:p>
         </p:txBody>
       </p:sp>
@@ -11326,13 +11030,6 @@
   <p:clrMapOvr>
     <a:masterClrMapping/>
   </p:clrMapOvr>
-  <p:timing>
-    <p:tnLst>
-      <p:par>
-        <p:cTn id="1" dur="indefinite" restart="never" nodeType="tmRoot"/>
-      </p:par>
-    </p:tnLst>
-  </p:timing>
 </p:sld>
 </file>
 
@@ -11376,7 +11073,7 @@
           <a:p>
             <a:pPr fontAlgn="base"/>
             <a:r>
-              <a:rPr lang="en-US" b="1" i="0" dirty="0" smtClean="0">
+              <a:rPr lang="en-US" b="1" i="0" dirty="0">
                 <a:solidFill>
                   <a:srgbClr val="273239"/>
                 </a:solidFill>
@@ -11392,7 +11089,7 @@
               <a:buAutoNum type="arabicPeriod"/>
             </a:pPr>
             <a:r>
-              <a:rPr lang="en-US" b="1" i="0" dirty="0" smtClean="0">
+              <a:rPr lang="en-US" b="1" i="0" dirty="0">
                 <a:solidFill>
                   <a:srgbClr val="273239"/>
                 </a:solidFill>
@@ -11402,7 +11099,7 @@
               <a:t>dependencies- </a:t>
             </a:r>
             <a:r>
-              <a:rPr lang="en-US" b="0" i="0" dirty="0" smtClean="0">
+              <a:rPr lang="en-US" b="0" i="0" dirty="0">
                 <a:solidFill>
                   <a:srgbClr val="273239"/>
                 </a:solidFill>
@@ -11418,7 +11115,7 @@
               <a:buAutoNum type="arabicPeriod" startAt="2"/>
             </a:pPr>
             <a:r>
-              <a:rPr lang="en-US" b="1" i="0" dirty="0" smtClean="0">
+              <a:rPr lang="en-US" b="1" i="0" dirty="0">
                 <a:solidFill>
                   <a:srgbClr val="273239"/>
                 </a:solidFill>
@@ -11428,7 +11125,7 @@
               <a:t>dependency- </a:t>
             </a:r>
             <a:r>
-              <a:rPr lang="en-US" b="0" i="0" dirty="0" smtClean="0">
+              <a:rPr lang="en-US" b="0" i="0" dirty="0">
                 <a:solidFill>
                   <a:srgbClr val="273239"/>
                 </a:solidFill>
@@ -11438,7 +11135,7 @@
               <a:t>dependency defines a dependency and used inside dependencies tag. Each dependency is described by its </a:t>
             </a:r>
             <a:r>
-              <a:rPr lang="en-US" b="0" i="0" dirty="0" err="1" smtClean="0">
+              <a:rPr lang="en-US" b="0" i="0" dirty="0" err="1">
                 <a:solidFill>
                   <a:srgbClr val="273239"/>
                 </a:solidFill>
@@ -11448,7 +11145,7 @@
               <a:t>groupId</a:t>
             </a:r>
             <a:r>
-              <a:rPr lang="en-US" b="0" i="0" dirty="0" smtClean="0">
+              <a:rPr lang="en-US" b="0" i="0" dirty="0">
                 <a:solidFill>
                   <a:srgbClr val="273239"/>
                 </a:solidFill>
@@ -11458,7 +11155,7 @@
               <a:t>, </a:t>
             </a:r>
             <a:r>
-              <a:rPr lang="en-US" b="0" i="0" dirty="0" err="1" smtClean="0">
+              <a:rPr lang="en-US" b="0" i="0" dirty="0" err="1">
                 <a:solidFill>
                   <a:srgbClr val="273239"/>
                 </a:solidFill>
@@ -11468,7 +11165,7 @@
               <a:t>artifactId</a:t>
             </a:r>
             <a:r>
-              <a:rPr lang="en-US" b="0" i="0" dirty="0" smtClean="0">
+              <a:rPr lang="en-US" b="0" i="0" dirty="0">
                 <a:solidFill>
                   <a:srgbClr val="273239"/>
                 </a:solidFill>
@@ -11484,7 +11181,7 @@
               <a:buAutoNum type="arabicPeriod" startAt="3"/>
             </a:pPr>
             <a:r>
-              <a:rPr lang="en-US" b="1" i="0" dirty="0" smtClean="0">
+              <a:rPr lang="en-US" b="1" i="0" dirty="0">
                 <a:solidFill>
                   <a:srgbClr val="273239"/>
                 </a:solidFill>
@@ -11494,7 +11191,7 @@
               <a:t>name- </a:t>
             </a:r>
             <a:r>
-              <a:rPr lang="en-US" b="0" i="0" dirty="0" smtClean="0">
+              <a:rPr lang="en-US" b="0" i="0" dirty="0">
                 <a:solidFill>
                   <a:srgbClr val="273239"/>
                 </a:solidFill>
@@ -11510,7 +11207,7 @@
               <a:buAutoNum type="arabicPeriod" startAt="4"/>
             </a:pPr>
             <a:r>
-              <a:rPr lang="en-US" b="1" i="0" dirty="0" smtClean="0">
+              <a:rPr lang="en-US" b="1" i="0" dirty="0">
                 <a:solidFill>
                   <a:srgbClr val="273239"/>
                 </a:solidFill>
@@ -11520,7 +11217,7 @@
               <a:t>scope- </a:t>
             </a:r>
             <a:r>
-              <a:rPr lang="en-US" b="0" i="0" dirty="0" smtClean="0">
+              <a:rPr lang="en-US" b="0" i="0" dirty="0">
                 <a:solidFill>
                   <a:srgbClr val="273239"/>
                 </a:solidFill>
@@ -11536,7 +11233,7 @@
               <a:buAutoNum type="arabicPeriod" startAt="5"/>
             </a:pPr>
             <a:r>
-              <a:rPr lang="en-US" b="1" i="0" dirty="0" smtClean="0">
+              <a:rPr lang="en-US" b="1" i="0" dirty="0">
                 <a:solidFill>
                   <a:srgbClr val="273239"/>
                 </a:solidFill>
@@ -11546,7 +11243,7 @@
               <a:t>packaging- </a:t>
             </a:r>
             <a:r>
-              <a:rPr lang="en-US" b="0" i="0" dirty="0" smtClean="0">
+              <a:rPr lang="en-US" b="0" i="0" dirty="0">
                 <a:solidFill>
                   <a:srgbClr val="273239"/>
                 </a:solidFill>
@@ -11555,13 +11252,6 @@
               </a:rPr>
               <a:t>packaging element is used to packaging our project to output types like JAR, WAR etc.</a:t>
             </a:r>
-            <a:endParaRPr lang="en-US" b="0" i="0" dirty="0">
-              <a:solidFill>
-                <a:srgbClr val="273239"/>
-              </a:solidFill>
-              <a:effectLst/>
-              <a:latin typeface="Nunito"/>
-            </a:endParaRPr>
           </a:p>
         </p:txBody>
       </p:sp>
@@ -11575,13 +11265,6 @@
   <p:clrMapOvr>
     <a:masterClrMapping/>
   </p:clrMapOvr>
-  <p:timing>
-    <p:tnLst>
-      <p:par>
-        <p:cTn id="1" dur="indefinite" restart="never" nodeType="tmRoot"/>
-      </p:par>
-    </p:tnLst>
-  </p:timing>
 </p:sld>
 </file>
 
@@ -11636,13 +11319,6 @@
   <p:clrMapOvr>
     <a:masterClrMapping/>
   </p:clrMapOvr>
-  <p:timing>
-    <p:tnLst>
-      <p:par>
-        <p:cTn id="1" dur="indefinite" restart="never" nodeType="tmRoot"/>
-      </p:par>
-    </p:tnLst>
-  </p:timing>
 </p:sld>
 </file>
 
@@ -11697,13 +11373,6 @@
   <p:clrMapOvr>
     <a:masterClrMapping/>
   </p:clrMapOvr>
-  <p:timing>
-    <p:tnLst>
-      <p:par>
-        <p:cTn id="1" dur="indefinite" restart="never" nodeType="tmRoot"/>
-      </p:par>
-    </p:tnLst>
-  </p:timing>
 </p:sld>
 </file>
 
@@ -11758,13 +11427,6 @@
   <p:clrMapOvr>
     <a:masterClrMapping/>
   </p:clrMapOvr>
-  <p:timing>
-    <p:tnLst>
-      <p:par>
-        <p:cTn id="1" dur="indefinite" restart="never" nodeType="tmRoot"/>
-      </p:par>
-    </p:tnLst>
-  </p:timing>
 </p:sld>
 </file>
 
@@ -11819,13 +11481,6 @@
   <p:clrMapOvr>
     <a:masterClrMapping/>
   </p:clrMapOvr>
-  <p:timing>
-    <p:tnLst>
-      <p:par>
-        <p:cTn id="1" dur="indefinite" restart="never" nodeType="tmRoot"/>
-      </p:par>
-    </p:tnLst>
-  </p:timing>
 </p:sld>
 </file>
 
@@ -11880,13 +11535,6 @@
   <p:clrMapOvr>
     <a:masterClrMapping/>
   </p:clrMapOvr>
-  <p:timing>
-    <p:tnLst>
-      <p:par>
-        <p:cTn id="1" dur="indefinite" restart="never" nodeType="tmRoot"/>
-      </p:par>
-    </p:tnLst>
-  </p:timing>
 </p:sld>
 </file>
 
@@ -11941,13 +11589,6 @@
   <p:clrMapOvr>
     <a:masterClrMapping/>
   </p:clrMapOvr>
-  <p:timing>
-    <p:tnLst>
-      <p:par>
-        <p:cTn id="1" dur="indefinite" restart="never" nodeType="tmRoot"/>
-      </p:par>
-    </p:tnLst>
-  </p:timing>
 </p:sld>
 </file>
 
@@ -11990,7 +11631,7 @@
           <a:lstStyle/>
           <a:p>
             <a:r>
-              <a:rPr lang="en-US" b="0" i="0" dirty="0" smtClean="0">
+              <a:rPr lang="en-US" b="0" i="0" dirty="0">
                 <a:solidFill>
                   <a:srgbClr val="404040"/>
                 </a:solidFill>
@@ -12000,7 +11641,7 @@
               <a:t>Since there is no installation process, extract the Maven archive to a directory of your choice once the download is complete. For this tutorial, we are using </a:t>
             </a:r>
             <a:r>
-              <a:rPr lang="en-US" b="0" i="1" dirty="0" smtClean="0">
+              <a:rPr lang="en-US" b="0" i="1" dirty="0">
                 <a:solidFill>
                   <a:srgbClr val="404040"/>
                 </a:solidFill>
@@ -12010,7 +11651,7 @@
               <a:t>C:\Program Files\Maven\apache-maven-3.8.4</a:t>
             </a:r>
             <a:r>
-              <a:rPr lang="en-US" b="0" i="0" dirty="0" smtClean="0">
+              <a:rPr lang="en-US" b="0" i="0" dirty="0">
                 <a:solidFill>
                   <a:srgbClr val="404040"/>
                 </a:solidFill>
@@ -12033,13 +11674,6 @@
   <p:clrMapOvr>
     <a:masterClrMapping/>
   </p:clrMapOvr>
-  <p:timing>
-    <p:tnLst>
-      <p:par>
-        <p:cTn id="1" dur="indefinite" restart="never" nodeType="tmRoot"/>
-      </p:par>
-    </p:tnLst>
-  </p:timing>
 </p:sld>
 </file>
 
@@ -12094,13 +11728,6 @@
   <p:clrMapOvr>
     <a:masterClrMapping/>
   </p:clrMapOvr>
-  <p:timing>
-    <p:tnLst>
-      <p:par>
-        <p:cTn id="1" dur="indefinite" restart="never" nodeType="tmRoot"/>
-      </p:par>
-    </p:tnLst>
-  </p:timing>
 </p:sld>
 </file>
 
@@ -12172,13 +11799,6 @@
   <p:clrMapOvr>
     <a:masterClrMapping/>
   </p:clrMapOvr>
-  <p:timing>
-    <p:tnLst>
-      <p:par>
-        <p:cTn id="1" dur="indefinite" restart="never" nodeType="tmRoot"/>
-      </p:par>
-    </p:tnLst>
-  </p:timing>
 </p:sld>
 </file>
 
@@ -12221,7 +11841,7 @@
           <a:lstStyle/>
           <a:p>
             <a:r>
-              <a:rPr lang="en-US" b="1" i="0" dirty="0" smtClean="0">
+              <a:rPr lang="en-US" b="1" i="0" dirty="0">
                 <a:solidFill>
                   <a:srgbClr val="000000"/>
                 </a:solidFill>
@@ -12233,7 +11853,7 @@
           </a:p>
           <a:p>
             <a:r>
-              <a:rPr lang="en-US" b="0" i="0" dirty="0" smtClean="0">
+              <a:rPr lang="en-US" b="0" i="0" dirty="0">
                 <a:solidFill>
                   <a:srgbClr val="404040"/>
                 </a:solidFill>
@@ -12243,7 +11863,7 @@
               <a:t>1. Open the Start menu and search for </a:t>
             </a:r>
             <a:r>
-              <a:rPr lang="en-US" b="0" i="0" u="none" strike="noStrike" dirty="0" smtClean="0">
+              <a:rPr lang="en-US" b="0" i="0" u="none" strike="noStrike" dirty="0">
                 <a:solidFill>
                   <a:srgbClr val="0074DB"/>
                 </a:solidFill>
@@ -12254,7 +11874,7 @@
               <a:t>environment variables</a:t>
             </a:r>
             <a:r>
-              <a:rPr lang="en-US" b="0" i="0" dirty="0" smtClean="0">
+              <a:rPr lang="en-US" b="0" i="0" dirty="0">
                 <a:solidFill>
                   <a:srgbClr val="404040"/>
                 </a:solidFill>
@@ -12266,7 +11886,7 @@
           </a:p>
           <a:p>
             <a:r>
-              <a:rPr lang="en-US" b="0" i="0" dirty="0" smtClean="0">
+              <a:rPr lang="en-US" b="0" i="0" dirty="0">
                 <a:solidFill>
                   <a:srgbClr val="404040"/>
                 </a:solidFill>
@@ -12276,7 +11896,7 @@
               <a:t>2. Click the </a:t>
             </a:r>
             <a:r>
-              <a:rPr lang="en-US" b="1" i="0" dirty="0" smtClean="0">
+              <a:rPr lang="en-US" b="1" i="0" dirty="0">
                 <a:solidFill>
                   <a:srgbClr val="404040"/>
                 </a:solidFill>
@@ -12286,7 +11906,7 @@
               <a:t>Edit the system environment variables</a:t>
             </a:r>
             <a:r>
-              <a:rPr lang="en-US" b="0" i="0" dirty="0" smtClean="0">
+              <a:rPr lang="en-US" b="0" i="0" dirty="0">
                 <a:solidFill>
                   <a:srgbClr val="404040"/>
                 </a:solidFill>
@@ -12295,13 +11915,6 @@
               </a:rPr>
               <a:t> result.</a:t>
             </a:r>
-            <a:endParaRPr lang="en-US" b="0" i="0" dirty="0">
-              <a:solidFill>
-                <a:srgbClr val="404040"/>
-              </a:solidFill>
-              <a:effectLst/>
-              <a:latin typeface="roboto"/>
-            </a:endParaRPr>
           </a:p>
         </p:txBody>
       </p:sp>
@@ -12315,13 +11928,6 @@
   <p:clrMapOvr>
     <a:masterClrMapping/>
   </p:clrMapOvr>
-  <p:timing>
-    <p:tnLst>
-      <p:par>
-        <p:cTn id="1" dur="indefinite" restart="never" nodeType="tmRoot"/>
-      </p:par>
-    </p:tnLst>
-  </p:timing>
 </p:sld>
 </file>
 
@@ -12393,13 +11999,6 @@
   <p:clrMapOvr>
     <a:masterClrMapping/>
   </p:clrMapOvr>
-  <p:timing>
-    <p:tnLst>
-      <p:par>
-        <p:cTn id="1" dur="indefinite" restart="never" nodeType="tmRoot"/>
-      </p:par>
-    </p:tnLst>
-  </p:timing>
 </p:sld>
 </file>
 
@@ -12471,13 +12070,6 @@
   <p:clrMapOvr>
     <a:masterClrMapping/>
   </p:clrMapOvr>
-  <p:timing>
-    <p:tnLst>
-      <p:par>
-        <p:cTn id="1" dur="indefinite" restart="never" nodeType="tmRoot"/>
-      </p:par>
-    </p:tnLst>
-  </p:timing>
 </p:sld>
 </file>
 
